--- a/notes.pptx
+++ b/notes.pptx
@@ -106,6 +106,11 @@
       </a:defRPr>
     </a:lvl9pPr>
   </p:defaultTextStyle>
+  <p:extLst>
+    <p:ext uri="{EFAFB233-063F-42B5-8137-9DF3F51BA10A}">
+      <p15:sldGuideLst xmlns:p15="http://schemas.microsoft.com/office/powerpoint/2012/main"/>
+    </p:ext>
+  </p:extLst>
 </p:presentation>
 </file>
 
@@ -258,7 +263,7 @@
           <a:p>
             <a:fld id="{2520F6F4-E946-1746-9921-C7E20A3E8025}" type="datetimeFigureOut">
               <a:rPr lang="en-US" smtClean="0"/>
-              <a:t>3/18/20</a:t>
+              <a:t>3/19/20</a:t>
             </a:fld>
             <a:endParaRPr lang="en-US"/>
           </a:p>
@@ -458,7 +463,7 @@
           <a:p>
             <a:fld id="{2520F6F4-E946-1746-9921-C7E20A3E8025}" type="datetimeFigureOut">
               <a:rPr lang="en-US" smtClean="0"/>
-              <a:t>3/18/20</a:t>
+              <a:t>3/19/20</a:t>
             </a:fld>
             <a:endParaRPr lang="en-US"/>
           </a:p>
@@ -668,7 +673,7 @@
           <a:p>
             <a:fld id="{2520F6F4-E946-1746-9921-C7E20A3E8025}" type="datetimeFigureOut">
               <a:rPr lang="en-US" smtClean="0"/>
-              <a:t>3/18/20</a:t>
+              <a:t>3/19/20</a:t>
             </a:fld>
             <a:endParaRPr lang="en-US"/>
           </a:p>
@@ -868,7 +873,7 @@
           <a:p>
             <a:fld id="{2520F6F4-E946-1746-9921-C7E20A3E8025}" type="datetimeFigureOut">
               <a:rPr lang="en-US" smtClean="0"/>
-              <a:t>3/18/20</a:t>
+              <a:t>3/19/20</a:t>
             </a:fld>
             <a:endParaRPr lang="en-US"/>
           </a:p>
@@ -1144,7 +1149,7 @@
           <a:p>
             <a:fld id="{2520F6F4-E946-1746-9921-C7E20A3E8025}" type="datetimeFigureOut">
               <a:rPr lang="en-US" smtClean="0"/>
-              <a:t>3/18/20</a:t>
+              <a:t>3/19/20</a:t>
             </a:fld>
             <a:endParaRPr lang="en-US"/>
           </a:p>
@@ -1412,7 +1417,7 @@
           <a:p>
             <a:fld id="{2520F6F4-E946-1746-9921-C7E20A3E8025}" type="datetimeFigureOut">
               <a:rPr lang="en-US" smtClean="0"/>
-              <a:t>3/18/20</a:t>
+              <a:t>3/19/20</a:t>
             </a:fld>
             <a:endParaRPr lang="en-US"/>
           </a:p>
@@ -1827,7 +1832,7 @@
           <a:p>
             <a:fld id="{2520F6F4-E946-1746-9921-C7E20A3E8025}" type="datetimeFigureOut">
               <a:rPr lang="en-US" smtClean="0"/>
-              <a:t>3/18/20</a:t>
+              <a:t>3/19/20</a:t>
             </a:fld>
             <a:endParaRPr lang="en-US"/>
           </a:p>
@@ -1969,7 +1974,7 @@
           <a:p>
             <a:fld id="{2520F6F4-E946-1746-9921-C7E20A3E8025}" type="datetimeFigureOut">
               <a:rPr lang="en-US" smtClean="0"/>
-              <a:t>3/18/20</a:t>
+              <a:t>3/19/20</a:t>
             </a:fld>
             <a:endParaRPr lang="en-US"/>
           </a:p>
@@ -2082,7 +2087,7 @@
           <a:p>
             <a:fld id="{2520F6F4-E946-1746-9921-C7E20A3E8025}" type="datetimeFigureOut">
               <a:rPr lang="en-US" smtClean="0"/>
-              <a:t>3/18/20</a:t>
+              <a:t>3/19/20</a:t>
             </a:fld>
             <a:endParaRPr lang="en-US"/>
           </a:p>
@@ -2395,7 +2400,7 @@
           <a:p>
             <a:fld id="{2520F6F4-E946-1746-9921-C7E20A3E8025}" type="datetimeFigureOut">
               <a:rPr lang="en-US" smtClean="0"/>
-              <a:t>3/18/20</a:t>
+              <a:t>3/19/20</a:t>
             </a:fld>
             <a:endParaRPr lang="en-US"/>
           </a:p>
@@ -2684,7 +2689,7 @@
           <a:p>
             <a:fld id="{2520F6F4-E946-1746-9921-C7E20A3E8025}" type="datetimeFigureOut">
               <a:rPr lang="en-US" smtClean="0"/>
-              <a:t>3/18/20</a:t>
+              <a:t>3/19/20</a:t>
             </a:fld>
             <a:endParaRPr lang="en-US"/>
           </a:p>
@@ -2927,7 +2932,7 @@
           <a:p>
             <a:fld id="{2520F6F4-E946-1746-9921-C7E20A3E8025}" type="datetimeFigureOut">
               <a:rPr lang="en-US" smtClean="0"/>
-              <a:t>3/18/20</a:t>
+              <a:t>3/19/20</a:t>
             </a:fld>
             <a:endParaRPr lang="en-US"/>
           </a:p>
@@ -3976,7 +3981,7 @@
         <p:spPr/>
         <p:txBody>
           <a:bodyPr>
-            <a:normAutofit fontScale="62500" lnSpcReduction="20000"/>
+            <a:normAutofit fontScale="55000" lnSpcReduction="20000"/>
           </a:bodyPr>
           <a:lstStyle/>
           <a:p>
@@ -4003,7 +4008,7 @@
           </a:p>
           <a:p>
             <a:r>
-              <a:rPr lang="en-US" dirty="0"/>
+              <a:rPr lang="en-US" strike="sngStrike" dirty="0"/>
               <a:t>Show fuel</a:t>
             </a:r>
           </a:p>
@@ -4064,10 +4069,17 @@
               <a:rPr lang="en-US" dirty="0" err="1"/>
               <a:t>colour</a:t>
             </a:r>
+            <a:r>
+              <a:rPr lang="en-US"/>
+              <a:t> - STARTED</a:t>
+            </a:r>
             <a:endParaRPr lang="en-US" dirty="0"/>
           </a:p>
           <a:p>
-            <a:endParaRPr lang="en-US" dirty="0"/>
+            <a:r>
+              <a:rPr lang="en-US" dirty="0"/>
+              <a:t>When rocket dropping back, fuel stops, but if it hits the bottom of the screen, it explodes…..</a:t>
+            </a:r>
           </a:p>
         </p:txBody>
       </p:sp>

--- a/notes.pptx
+++ b/notes.pptx
@@ -7,7 +7,9 @@
   <p:sldIdLst>
     <p:sldId id="256" r:id="rId2"/>
     <p:sldId id="258" r:id="rId3"/>
-    <p:sldId id="257" r:id="rId4"/>
+    <p:sldId id="260" r:id="rId4"/>
+    <p:sldId id="259" r:id="rId5"/>
+    <p:sldId id="257" r:id="rId6"/>
   </p:sldIdLst>
   <p:sldSz cx="12192000" cy="6858000"/>
   <p:notesSz cx="6858000" cy="9144000"/>
@@ -263,7 +265,7 @@
           <a:p>
             <a:fld id="{2520F6F4-E946-1746-9921-C7E20A3E8025}" type="datetimeFigureOut">
               <a:rPr lang="en-US" smtClean="0"/>
-              <a:t>3/19/20</a:t>
+              <a:t>3/20/20</a:t>
             </a:fld>
             <a:endParaRPr lang="en-US"/>
           </a:p>
@@ -463,7 +465,7 @@
           <a:p>
             <a:fld id="{2520F6F4-E946-1746-9921-C7E20A3E8025}" type="datetimeFigureOut">
               <a:rPr lang="en-US" smtClean="0"/>
-              <a:t>3/19/20</a:t>
+              <a:t>3/20/20</a:t>
             </a:fld>
             <a:endParaRPr lang="en-US"/>
           </a:p>
@@ -673,7 +675,7 @@
           <a:p>
             <a:fld id="{2520F6F4-E946-1746-9921-C7E20A3E8025}" type="datetimeFigureOut">
               <a:rPr lang="en-US" smtClean="0"/>
-              <a:t>3/19/20</a:t>
+              <a:t>3/20/20</a:t>
             </a:fld>
             <a:endParaRPr lang="en-US"/>
           </a:p>
@@ -873,7 +875,7 @@
           <a:p>
             <a:fld id="{2520F6F4-E946-1746-9921-C7E20A3E8025}" type="datetimeFigureOut">
               <a:rPr lang="en-US" smtClean="0"/>
-              <a:t>3/19/20</a:t>
+              <a:t>3/20/20</a:t>
             </a:fld>
             <a:endParaRPr lang="en-US"/>
           </a:p>
@@ -1149,7 +1151,7 @@
           <a:p>
             <a:fld id="{2520F6F4-E946-1746-9921-C7E20A3E8025}" type="datetimeFigureOut">
               <a:rPr lang="en-US" smtClean="0"/>
-              <a:t>3/19/20</a:t>
+              <a:t>3/20/20</a:t>
             </a:fld>
             <a:endParaRPr lang="en-US"/>
           </a:p>
@@ -1417,7 +1419,7 @@
           <a:p>
             <a:fld id="{2520F6F4-E946-1746-9921-C7E20A3E8025}" type="datetimeFigureOut">
               <a:rPr lang="en-US" smtClean="0"/>
-              <a:t>3/19/20</a:t>
+              <a:t>3/20/20</a:t>
             </a:fld>
             <a:endParaRPr lang="en-US"/>
           </a:p>
@@ -1832,7 +1834,7 @@
           <a:p>
             <a:fld id="{2520F6F4-E946-1746-9921-C7E20A3E8025}" type="datetimeFigureOut">
               <a:rPr lang="en-US" smtClean="0"/>
-              <a:t>3/19/20</a:t>
+              <a:t>3/20/20</a:t>
             </a:fld>
             <a:endParaRPr lang="en-US"/>
           </a:p>
@@ -1974,7 +1976,7 @@
           <a:p>
             <a:fld id="{2520F6F4-E946-1746-9921-C7E20A3E8025}" type="datetimeFigureOut">
               <a:rPr lang="en-US" smtClean="0"/>
-              <a:t>3/19/20</a:t>
+              <a:t>3/20/20</a:t>
             </a:fld>
             <a:endParaRPr lang="en-US"/>
           </a:p>
@@ -2087,7 +2089,7 @@
           <a:p>
             <a:fld id="{2520F6F4-E946-1746-9921-C7E20A3E8025}" type="datetimeFigureOut">
               <a:rPr lang="en-US" smtClean="0"/>
-              <a:t>3/19/20</a:t>
+              <a:t>3/20/20</a:t>
             </a:fld>
             <a:endParaRPr lang="en-US"/>
           </a:p>
@@ -2400,7 +2402,7 @@
           <a:p>
             <a:fld id="{2520F6F4-E946-1746-9921-C7E20A3E8025}" type="datetimeFigureOut">
               <a:rPr lang="en-US" smtClean="0"/>
-              <a:t>3/19/20</a:t>
+              <a:t>3/20/20</a:t>
             </a:fld>
             <a:endParaRPr lang="en-US"/>
           </a:p>
@@ -2689,7 +2691,7 @@
           <a:p>
             <a:fld id="{2520F6F4-E946-1746-9921-C7E20A3E8025}" type="datetimeFigureOut">
               <a:rPr lang="en-US" smtClean="0"/>
-              <a:t>3/19/20</a:t>
+              <a:t>3/20/20</a:t>
             </a:fld>
             <a:endParaRPr lang="en-US"/>
           </a:p>
@@ -2932,7 +2934,7 @@
           <a:p>
             <a:fld id="{2520F6F4-E946-1746-9921-C7E20A3E8025}" type="datetimeFigureOut">
               <a:rPr lang="en-US" smtClean="0"/>
-              <a:t>3/19/20</a:t>
+              <a:t>3/20/20</a:t>
             </a:fld>
             <a:endParaRPr lang="en-US"/>
           </a:p>
@@ -3475,87 +3477,6 @@
           </a:bodyPr>
           <a:lstStyle/>
           <a:p>
-            <a:pPr algn="ctr">
-              <a:lnSpc>
-                <a:spcPct val="90000"/>
-              </a:lnSpc>
-              <a:spcBef>
-                <a:spcPct val="0"/>
-              </a:spcBef>
-              <a:spcAft>
-                <a:spcPts val="600"/>
-              </a:spcAft>
-            </a:pPr>
-            <a:r>
-              <a:rPr lang="en-US" sz="5100" b="1" kern="1200" dirty="0">
-                <a:latin typeface="+mj-lt"/>
-                <a:ea typeface="+mj-ea"/>
-                <a:cs typeface="+mj-cs"/>
-              </a:rPr>
-              <a:t>SKY</a:t>
-            </a:r>
-          </a:p>
-          <a:p>
-            <a:pPr algn="ctr">
-              <a:lnSpc>
-                <a:spcPct val="90000"/>
-              </a:lnSpc>
-              <a:spcBef>
-                <a:spcPct val="0"/>
-              </a:spcBef>
-              <a:spcAft>
-                <a:spcPts val="600"/>
-              </a:spcAft>
-            </a:pPr>
-            <a:r>
-              <a:rPr lang="en-US" sz="5100" b="1" kern="1200" dirty="0">
-                <a:latin typeface="+mj-lt"/>
-                <a:ea typeface="+mj-ea"/>
-                <a:cs typeface="+mj-cs"/>
-              </a:rPr>
-              <a:t>ROKIT</a:t>
-            </a:r>
-          </a:p>
-          <a:p>
-            <a:pPr>
-              <a:lnSpc>
-                <a:spcPct val="90000"/>
-              </a:lnSpc>
-              <a:spcBef>
-                <a:spcPct val="0"/>
-              </a:spcBef>
-              <a:spcAft>
-                <a:spcPts val="600"/>
-              </a:spcAft>
-            </a:pPr>
-            <a:endParaRPr lang="en-US" sz="5100" b="1" kern="1200" dirty="0">
-              <a:latin typeface="+mj-lt"/>
-              <a:ea typeface="+mj-ea"/>
-              <a:cs typeface="+mj-cs"/>
-            </a:endParaRPr>
-          </a:p>
-          <a:p>
-            <a:pPr>
-              <a:lnSpc>
-                <a:spcPct val="90000"/>
-              </a:lnSpc>
-              <a:spcBef>
-                <a:spcPct val="0"/>
-              </a:spcBef>
-              <a:spcAft>
-                <a:spcPts val="600"/>
-              </a:spcAft>
-            </a:pPr>
-            <a:r>
-              <a:rPr lang="en-US" sz="5100" b="1" kern="1200" dirty="0">
-                <a:latin typeface="+mj-lt"/>
-                <a:ea typeface="+mj-ea"/>
-                <a:cs typeface="+mj-cs"/>
-              </a:rPr>
-              <a:t>for tic-80</a:t>
-            </a:r>
-          </a:p>
-          <a:p>
             <a:pPr>
               <a:lnSpc>
                 <a:spcPct val="90000"/>
@@ -3904,6 +3825,66 @@
           </a:custGeom>
         </p:spPr>
       </p:pic>
+      <p:pic>
+        <p:nvPicPr>
+          <p:cNvPr id="2" name="Picture 1">
+            <a:extLst>
+              <a:ext uri="{FF2B5EF4-FFF2-40B4-BE49-F238E27FC236}">
+                <a16:creationId xmlns:a16="http://schemas.microsoft.com/office/drawing/2014/main" id="{4EF3DBD6-0A6A-DE40-A49E-1E3FCCD25A22}"/>
+              </a:ext>
+            </a:extLst>
+          </p:cNvPr>
+          <p:cNvPicPr>
+            <a:picLocks noChangeAspect="1"/>
+          </p:cNvPicPr>
+          <p:nvPr/>
+        </p:nvPicPr>
+        <p:blipFill>
+          <a:blip r:embed="rId3"/>
+          <a:stretch>
+            <a:fillRect/>
+          </a:stretch>
+        </p:blipFill>
+        <p:spPr>
+          <a:xfrm>
+            <a:off x="3448706" y="-1"/>
+            <a:ext cx="8742989" cy="1482811"/>
+          </a:xfrm>
+          <a:prstGeom prst="rect">
+            <a:avLst/>
+          </a:prstGeom>
+        </p:spPr>
+      </p:pic>
+      <p:pic>
+        <p:nvPicPr>
+          <p:cNvPr id="3" name="Picture 2">
+            <a:extLst>
+              <a:ext uri="{FF2B5EF4-FFF2-40B4-BE49-F238E27FC236}">
+                <a16:creationId xmlns:a16="http://schemas.microsoft.com/office/drawing/2014/main" id="{AE9F0D44-7509-FE4E-AFB8-D55BF0DF3DE5}"/>
+              </a:ext>
+            </a:extLst>
+          </p:cNvPr>
+          <p:cNvPicPr>
+            <a:picLocks noChangeAspect="1"/>
+          </p:cNvPicPr>
+          <p:nvPr/>
+        </p:nvPicPr>
+        <p:blipFill>
+          <a:blip r:embed="rId4"/>
+          <a:stretch>
+            <a:fillRect/>
+          </a:stretch>
+        </p:blipFill>
+        <p:spPr>
+          <a:xfrm>
+            <a:off x="7468254" y="6069250"/>
+            <a:ext cx="4660900" cy="723900"/>
+          </a:xfrm>
+          <a:prstGeom prst="rect">
+            <a:avLst/>
+          </a:prstGeom>
+        </p:spPr>
+      </p:pic>
     </p:spTree>
     <p:extLst>
       <p:ext uri="{BB962C8B-B14F-4D97-AF65-F5344CB8AC3E}">
@@ -3986,6 +3967,18 @@
           <a:lstStyle/>
           <a:p>
             <a:r>
+              <a:rPr lang="en-US" dirty="0"/>
+              <a:t>Make starfield start blank, then steadily increase the amount of stars</a:t>
+            </a:r>
+          </a:p>
+          <a:p>
+            <a:r>
+              <a:rPr lang="en-US" dirty="0"/>
+              <a:t>Show launchpad</a:t>
+            </a:r>
+          </a:p>
+          <a:p>
+            <a:r>
               <a:rPr lang="en-US" strike="sngStrike" dirty="0"/>
               <a:t>Allow rocket to drop back when no button is pressed </a:t>
             </a:r>
@@ -3996,26 +3989,20 @@
           </a:p>
           <a:p>
             <a:r>
-              <a:rPr lang="en-US" dirty="0"/>
-              <a:t>Make starfield start blank, then steadily increase the amount of stars</a:t>
-            </a:r>
-          </a:p>
-          <a:p>
-            <a:r>
-              <a:rPr lang="en-US" dirty="0"/>
-              <a:t>Show launchpad</a:t>
-            </a:r>
-          </a:p>
-          <a:p>
-            <a:r>
               <a:rPr lang="en-US" strike="sngStrike" dirty="0"/>
               <a:t>Show fuel</a:t>
             </a:r>
           </a:p>
           <a:p>
             <a:r>
+              <a:rPr lang="en-US" strike="sngStrike" dirty="0"/>
+              <a:t>Show heat</a:t>
+            </a:r>
+          </a:p>
+          <a:p>
+            <a:r>
               <a:rPr lang="en-US" dirty="0"/>
-              <a:t>Show heat</a:t>
+              <a:t>Show score (height)</a:t>
             </a:r>
           </a:p>
           <a:p>
@@ -4070,15 +4057,14 @@
               <a:t>colour</a:t>
             </a:r>
             <a:r>
-              <a:rPr lang="en-US"/>
+              <a:rPr lang="en-US" dirty="0"/>
               <a:t> - STARTED</a:t>
             </a:r>
-            <a:endParaRPr lang="en-US" dirty="0"/>
           </a:p>
           <a:p>
             <a:r>
               <a:rPr lang="en-US" dirty="0"/>
-              <a:t>When rocket dropping back, fuel stops, but if it hits the bottom of the screen, it explodes…..</a:t>
+              <a:t>When rocket dropping back, fuel stops, but when it hits the bottom of the screen, it should explode…..</a:t>
             </a:r>
           </a:p>
         </p:txBody>
@@ -4097,6 +4083,405 @@
 </file>
 
 <file path=ppt/slides/slide3.xml><?xml version="1.0" encoding="utf-8"?>
+<p:sld xmlns:a="http://schemas.openxmlformats.org/drawingml/2006/main" xmlns:r="http://schemas.openxmlformats.org/officeDocument/2006/relationships" xmlns:p="http://schemas.openxmlformats.org/presentationml/2006/main">
+  <p:cSld>
+    <p:spTree>
+      <p:nvGrpSpPr>
+        <p:cNvPr id="1" name=""/>
+        <p:cNvGrpSpPr/>
+        <p:nvPr/>
+      </p:nvGrpSpPr>
+      <p:grpSpPr>
+        <a:xfrm>
+          <a:off x="0" y="0"/>
+          <a:ext cx="0" cy="0"/>
+          <a:chOff x="0" y="0"/>
+          <a:chExt cx="0" cy="0"/>
+        </a:xfrm>
+      </p:grpSpPr>
+      <p:sp>
+        <p:nvSpPr>
+          <p:cNvPr id="2" name="Title 1">
+            <a:extLst>
+              <a:ext uri="{FF2B5EF4-FFF2-40B4-BE49-F238E27FC236}">
+                <a16:creationId xmlns:a16="http://schemas.microsoft.com/office/drawing/2014/main" id="{EA4D8C31-3C17-2944-B111-ED6F2DF832C1}"/>
+              </a:ext>
+            </a:extLst>
+          </p:cNvPr>
+          <p:cNvSpPr>
+            <a:spLocks noGrp="1"/>
+          </p:cNvSpPr>
+          <p:nvPr>
+            <p:ph type="title"/>
+          </p:nvPr>
+        </p:nvSpPr>
+        <p:spPr/>
+        <p:txBody>
+          <a:bodyPr/>
+          <a:lstStyle/>
+          <a:p>
+            <a:r>
+              <a:rPr lang="en-US" dirty="0"/>
+              <a:t>Bugs</a:t>
+            </a:r>
+          </a:p>
+        </p:txBody>
+      </p:sp>
+      <p:sp>
+        <p:nvSpPr>
+          <p:cNvPr id="3" name="Content Placeholder 2">
+            <a:extLst>
+              <a:ext uri="{FF2B5EF4-FFF2-40B4-BE49-F238E27FC236}">
+                <a16:creationId xmlns:a16="http://schemas.microsoft.com/office/drawing/2014/main" id="{8C47E09D-E5D1-1543-961B-36B8CE3D2691}"/>
+              </a:ext>
+            </a:extLst>
+          </p:cNvPr>
+          <p:cNvSpPr>
+            <a:spLocks noGrp="1"/>
+          </p:cNvSpPr>
+          <p:nvPr>
+            <p:ph idx="1"/>
+          </p:nvPr>
+        </p:nvSpPr>
+        <p:spPr>
+          <a:xfrm>
+            <a:off x="1036981" y="1825625"/>
+            <a:ext cx="10515600" cy="4351338"/>
+          </a:xfrm>
+        </p:spPr>
+        <p:txBody>
+          <a:bodyPr>
+            <a:normAutofit fontScale="62500" lnSpcReduction="20000"/>
+          </a:bodyPr>
+          <a:lstStyle/>
+          <a:p>
+            <a:r>
+              <a:rPr lang="en-US" dirty="0"/>
+              <a:t>When power is not applied. heat should drop back – think this works.</a:t>
+            </a:r>
+          </a:p>
+          <a:p>
+            <a:endParaRPr lang="en-US" dirty="0"/>
+          </a:p>
+          <a:p>
+            <a:r>
+              <a:rPr lang="en-US" b="1" dirty="0"/>
+              <a:t>Heat</a:t>
+            </a:r>
+          </a:p>
+          <a:p>
+            <a:r>
+              <a:rPr lang="en-US" b="1" dirty="0"/>
+              <a:t> </a:t>
+            </a:r>
+            <a:r>
+              <a:rPr lang="en-US" b="1" strike="sngStrike" dirty="0" err="1"/>
+              <a:t>heatframe</a:t>
+            </a:r>
+            <a:r>
+              <a:rPr lang="en-US" b="1" strike="sngStrike" dirty="0"/>
+              <a:t> = 0</a:t>
+            </a:r>
+          </a:p>
+          <a:p>
+            <a:r>
+              <a:rPr lang="en-US" strike="sngStrike" dirty="0"/>
+              <a:t> heat – each frame increase </a:t>
+            </a:r>
+            <a:r>
+              <a:rPr lang="en-US" strike="sngStrike" dirty="0" err="1"/>
+              <a:t>heatframe</a:t>
+            </a:r>
+            <a:r>
+              <a:rPr lang="en-US" strike="sngStrike" dirty="0"/>
+              <a:t> by1 </a:t>
+            </a:r>
+            <a:r>
+              <a:rPr lang="en-US" dirty="0"/>
+              <a:t>– </a:t>
+            </a:r>
+            <a:r>
+              <a:rPr lang="en-US" strike="sngStrike" dirty="0"/>
+              <a:t>check if button is pressed</a:t>
+            </a:r>
+          </a:p>
+          <a:p>
+            <a:r>
+              <a:rPr lang="en-US" strike="sngStrike" dirty="0"/>
+              <a:t>    if button is pressed, add 1 to </a:t>
+            </a:r>
+            <a:r>
+              <a:rPr lang="en-US" strike="sngStrike" dirty="0" err="1"/>
+              <a:t>heatcounter</a:t>
+            </a:r>
+            <a:endParaRPr lang="en-US" strike="sngStrike" dirty="0"/>
+          </a:p>
+          <a:p>
+            <a:r>
+              <a:rPr lang="en-US" strike="sngStrike" dirty="0"/>
+              <a:t>    if button is not pressed, subtract 1 from </a:t>
+            </a:r>
+            <a:r>
+              <a:rPr lang="en-US" strike="sngStrike" dirty="0" err="1"/>
+              <a:t>heatcounter</a:t>
+            </a:r>
+            <a:endParaRPr lang="en-US" strike="sngStrike" dirty="0"/>
+          </a:p>
+          <a:p>
+            <a:r>
+              <a:rPr lang="en-US" strike="sngStrike" dirty="0"/>
+              <a:t> each 60 frames (n is 60 per second – if check required, set </a:t>
+            </a:r>
+            <a:r>
+              <a:rPr lang="en-US" strike="sngStrike" dirty="0" err="1"/>
+              <a:t>heatframe</a:t>
+            </a:r>
+            <a:r>
+              <a:rPr lang="en-US" strike="sngStrike" dirty="0"/>
+              <a:t> to zero), check to see if </a:t>
+            </a:r>
+            <a:r>
+              <a:rPr lang="en-US" strike="sngStrike" dirty="0" err="1"/>
+              <a:t>heatcounter</a:t>
+            </a:r>
+            <a:r>
+              <a:rPr lang="en-US" strike="sngStrike" dirty="0"/>
+              <a:t> &gt;= 60</a:t>
+            </a:r>
+          </a:p>
+          <a:p>
+            <a:r>
+              <a:rPr lang="en-US" strike="sngStrike" dirty="0"/>
+              <a:t> if </a:t>
+            </a:r>
+            <a:r>
+              <a:rPr lang="en-US" strike="sngStrike" dirty="0" err="1"/>
+              <a:t>heatcounter</a:t>
+            </a:r>
+            <a:r>
+              <a:rPr lang="en-US" strike="sngStrike" dirty="0"/>
+              <a:t> &gt;= 60 then increase level by </a:t>
+            </a:r>
+            <a:r>
+              <a:rPr lang="en-US" strike="sngStrike" dirty="0" err="1"/>
+              <a:t>heatuse</a:t>
+            </a:r>
+            <a:r>
+              <a:rPr lang="en-US" strike="sngStrike" dirty="0"/>
+              <a:t> and set n and </a:t>
+            </a:r>
+            <a:r>
+              <a:rPr lang="en-US" strike="sngStrike" dirty="0" err="1"/>
+              <a:t>heatcounter</a:t>
+            </a:r>
+            <a:r>
+              <a:rPr lang="en-US" strike="sngStrike" dirty="0"/>
+              <a:t> to zero.</a:t>
+            </a:r>
+          </a:p>
+          <a:p>
+            <a:r>
+              <a:rPr lang="en-US" strike="sngStrike" dirty="0"/>
+              <a:t>      else decrease level by </a:t>
+            </a:r>
+            <a:r>
+              <a:rPr lang="en-US" strike="sngStrike" dirty="0" err="1"/>
+              <a:t>heatuse</a:t>
+            </a:r>
+            <a:r>
+              <a:rPr lang="en-US" strike="sngStrike" dirty="0"/>
+              <a:t> and set n and </a:t>
+            </a:r>
+            <a:r>
+              <a:rPr lang="en-US" strike="sngStrike" dirty="0" err="1"/>
+              <a:t>heatcounter</a:t>
+            </a:r>
+            <a:r>
+              <a:rPr lang="en-US" strike="sngStrike" dirty="0"/>
+              <a:t> to zero.</a:t>
+            </a:r>
+          </a:p>
+          <a:p>
+            <a:r>
+              <a:rPr lang="en-US" dirty="0"/>
+              <a:t> </a:t>
+            </a:r>
+          </a:p>
+          <a:p>
+            <a:endParaRPr lang="en-US" dirty="0"/>
+          </a:p>
+          <a:p>
+            <a:r>
+              <a:rPr lang="en-US" dirty="0"/>
+              <a:t>NOTE THAT 60 will be variable once this works…..</a:t>
+            </a:r>
+          </a:p>
+        </p:txBody>
+      </p:sp>
+    </p:spTree>
+    <p:extLst>
+      <p:ext uri="{BB962C8B-B14F-4D97-AF65-F5344CB8AC3E}">
+        <p14:creationId xmlns:p14="http://schemas.microsoft.com/office/powerpoint/2010/main" val="595826134"/>
+      </p:ext>
+    </p:extLst>
+  </p:cSld>
+  <p:clrMapOvr>
+    <a:masterClrMapping/>
+  </p:clrMapOvr>
+</p:sld>
+</file>
+
+<file path=ppt/slides/slide4.xml><?xml version="1.0" encoding="utf-8"?>
+<p:sld xmlns:a="http://schemas.openxmlformats.org/drawingml/2006/main" xmlns:r="http://schemas.openxmlformats.org/officeDocument/2006/relationships" xmlns:p="http://schemas.openxmlformats.org/presentationml/2006/main">
+  <p:cSld>
+    <p:spTree>
+      <p:nvGrpSpPr>
+        <p:cNvPr id="1" name=""/>
+        <p:cNvGrpSpPr/>
+        <p:nvPr/>
+      </p:nvGrpSpPr>
+      <p:grpSpPr>
+        <a:xfrm>
+          <a:off x="0" y="0"/>
+          <a:ext cx="0" cy="0"/>
+          <a:chOff x="0" y="0"/>
+          <a:chExt cx="0" cy="0"/>
+        </a:xfrm>
+      </p:grpSpPr>
+      <p:pic>
+        <p:nvPicPr>
+          <p:cNvPr id="4" name="Picture 3">
+            <a:extLst>
+              <a:ext uri="{FF2B5EF4-FFF2-40B4-BE49-F238E27FC236}">
+                <a16:creationId xmlns:a16="http://schemas.microsoft.com/office/drawing/2014/main" id="{97FA9F14-EAFF-DF45-A538-0083B80F8E1E}"/>
+              </a:ext>
+            </a:extLst>
+          </p:cNvPr>
+          <p:cNvPicPr>
+            <a:picLocks noChangeAspect="1"/>
+          </p:cNvPicPr>
+          <p:nvPr/>
+        </p:nvPicPr>
+        <p:blipFill>
+          <a:blip r:embed="rId2"/>
+          <a:stretch>
+            <a:fillRect/>
+          </a:stretch>
+        </p:blipFill>
+        <p:spPr>
+          <a:xfrm>
+            <a:off x="304285" y="0"/>
+            <a:ext cx="3848100" cy="5397500"/>
+          </a:xfrm>
+          <a:prstGeom prst="rect">
+            <a:avLst/>
+          </a:prstGeom>
+          <a:solidFill>
+            <a:srgbClr val="FFFFFF">
+              <a:shade val="85000"/>
+            </a:srgbClr>
+          </a:solidFill>
+          <a:ln w="88900" cap="sq">
+            <a:solidFill>
+              <a:schemeClr val="tx1"/>
+            </a:solidFill>
+            <a:miter lim="800000"/>
+          </a:ln>
+          <a:effectLst>
+            <a:outerShdw blurRad="55000" dist="18000" dir="5400000" algn="tl" rotWithShape="0">
+              <a:srgbClr val="000000">
+                <a:alpha val="40000"/>
+              </a:srgbClr>
+            </a:outerShdw>
+          </a:effectLst>
+          <a:scene3d>
+            <a:camera prst="orthographicFront"/>
+            <a:lightRig rig="twoPt" dir="t">
+              <a:rot lat="0" lon="0" rev="7200000"/>
+            </a:lightRig>
+          </a:scene3d>
+          <a:sp3d>
+            <a:bevelT w="25400" h="19050"/>
+            <a:contourClr>
+              <a:srgbClr val="FFFFFF"/>
+            </a:contourClr>
+          </a:sp3d>
+        </p:spPr>
+      </p:pic>
+      <p:pic>
+        <p:nvPicPr>
+          <p:cNvPr id="5" name="Picture 4">
+            <a:extLst>
+              <a:ext uri="{FF2B5EF4-FFF2-40B4-BE49-F238E27FC236}">
+                <a16:creationId xmlns:a16="http://schemas.microsoft.com/office/drawing/2014/main" id="{F7DDC0BA-3405-3B4B-AF7A-D7D7548B843D}"/>
+              </a:ext>
+            </a:extLst>
+          </p:cNvPr>
+          <p:cNvPicPr>
+            <a:picLocks noChangeAspect="1"/>
+          </p:cNvPicPr>
+          <p:nvPr/>
+        </p:nvPicPr>
+        <p:blipFill>
+          <a:blip r:embed="rId3"/>
+          <a:stretch>
+            <a:fillRect/>
+          </a:stretch>
+        </p:blipFill>
+        <p:spPr>
+          <a:xfrm>
+            <a:off x="0" y="5375189"/>
+            <a:ext cx="8742989" cy="1482811"/>
+          </a:xfrm>
+          <a:prstGeom prst="rect">
+            <a:avLst/>
+          </a:prstGeom>
+        </p:spPr>
+      </p:pic>
+      <p:pic>
+        <p:nvPicPr>
+          <p:cNvPr id="6" name="Picture 5">
+            <a:extLst>
+              <a:ext uri="{FF2B5EF4-FFF2-40B4-BE49-F238E27FC236}">
+                <a16:creationId xmlns:a16="http://schemas.microsoft.com/office/drawing/2014/main" id="{CD103FE2-2460-7948-90F8-6B5A7E408904}"/>
+              </a:ext>
+            </a:extLst>
+          </p:cNvPr>
+          <p:cNvPicPr>
+            <a:picLocks noChangeAspect="1"/>
+          </p:cNvPicPr>
+          <p:nvPr/>
+        </p:nvPicPr>
+        <p:blipFill>
+          <a:blip r:embed="rId4"/>
+          <a:stretch>
+            <a:fillRect/>
+          </a:stretch>
+        </p:blipFill>
+        <p:spPr>
+          <a:xfrm>
+            <a:off x="7531100" y="4651289"/>
+            <a:ext cx="4660900" cy="723900"/>
+          </a:xfrm>
+          <a:prstGeom prst="rect">
+            <a:avLst/>
+          </a:prstGeom>
+        </p:spPr>
+      </p:pic>
+    </p:spTree>
+    <p:extLst>
+      <p:ext uri="{BB962C8B-B14F-4D97-AF65-F5344CB8AC3E}">
+        <p14:creationId xmlns:p14="http://schemas.microsoft.com/office/powerpoint/2010/main" val="2533942319"/>
+      </p:ext>
+    </p:extLst>
+  </p:cSld>
+  <p:clrMapOvr>
+    <a:masterClrMapping/>
+  </p:clrMapOvr>
+</p:sld>
+</file>
+
+<file path=ppt/slides/slide5.xml><?xml version="1.0" encoding="utf-8"?>
 <p:sld xmlns:a="http://schemas.openxmlformats.org/drawingml/2006/main" xmlns:r="http://schemas.openxmlformats.org/officeDocument/2006/relationships" xmlns:p="http://schemas.openxmlformats.org/presentationml/2006/main">
   <p:cSld>
     <p:bg>

--- a/notes.pptx
+++ b/notes.pptx
@@ -3827,10 +3827,10 @@
       </p:pic>
       <p:pic>
         <p:nvPicPr>
-          <p:cNvPr id="2" name="Picture 1">
-            <a:extLst>
-              <a:ext uri="{FF2B5EF4-FFF2-40B4-BE49-F238E27FC236}">
-                <a16:creationId xmlns:a16="http://schemas.microsoft.com/office/drawing/2014/main" id="{4EF3DBD6-0A6A-DE40-A49E-1E3FCCD25A22}"/>
+          <p:cNvPr id="7" name="Picture 6">
+            <a:extLst>
+              <a:ext uri="{FF2B5EF4-FFF2-40B4-BE49-F238E27FC236}">
+                <a16:creationId xmlns:a16="http://schemas.microsoft.com/office/drawing/2014/main" id="{7BF78418-B114-6440-A0ED-95D6EAB4FAA8}"/>
               </a:ext>
             </a:extLst>
           </p:cNvPr>
@@ -3847,38 +3847,8 @@
         </p:blipFill>
         <p:spPr>
           <a:xfrm>
-            <a:off x="3448706" y="-1"/>
-            <a:ext cx="8742989" cy="1482811"/>
-          </a:xfrm>
-          <a:prstGeom prst="rect">
-            <a:avLst/>
-          </a:prstGeom>
-        </p:spPr>
-      </p:pic>
-      <p:pic>
-        <p:nvPicPr>
-          <p:cNvPr id="3" name="Picture 2">
-            <a:extLst>
-              <a:ext uri="{FF2B5EF4-FFF2-40B4-BE49-F238E27FC236}">
-                <a16:creationId xmlns:a16="http://schemas.microsoft.com/office/drawing/2014/main" id="{AE9F0D44-7509-FE4E-AFB8-D55BF0DF3DE5}"/>
-              </a:ext>
-            </a:extLst>
-          </p:cNvPr>
-          <p:cNvPicPr>
-            <a:picLocks noChangeAspect="1"/>
-          </p:cNvPicPr>
-          <p:nvPr/>
-        </p:nvPicPr>
-        <p:blipFill>
-          <a:blip r:embed="rId4"/>
-          <a:stretch>
-            <a:fillRect/>
-          </a:stretch>
-        </p:blipFill>
-        <p:spPr>
-          <a:xfrm>
-            <a:off x="7468254" y="6069250"/>
-            <a:ext cx="4660900" cy="723900"/>
+            <a:off x="5533596" y="445530"/>
+            <a:ext cx="5499100" cy="406400"/>
           </a:xfrm>
           <a:prstGeom prst="rect">
             <a:avLst/>
@@ -4002,8 +3972,13 @@
           <a:p>
             <a:r>
               <a:rPr lang="en-US" dirty="0"/>
-              <a:t>Show score (height)</a:t>
-            </a:r>
+              <a:t>Show score (height – only counts if finger </a:t>
+            </a:r>
+            <a:r>
+              <a:rPr lang="en-US"/>
+              <a:t>on button)</a:t>
+            </a:r>
+            <a:endParaRPr lang="en-US" dirty="0"/>
           </a:p>
           <a:p>
             <a:r>
@@ -4156,7 +4131,7 @@
           <a:lstStyle/>
           <a:p>
             <a:r>
-              <a:rPr lang="en-US" dirty="0"/>
+              <a:rPr lang="en-US" strike="sngStrike" dirty="0"/>
               <a:t>When power is not applied. heat should drop back – think this works.</a:t>
             </a:r>
           </a:p>
@@ -4165,7 +4140,7 @@
           </a:p>
           <a:p>
             <a:r>
-              <a:rPr lang="en-US" b="1" dirty="0"/>
+              <a:rPr lang="en-US" b="1" strike="sngStrike" dirty="0"/>
               <a:t>Heat</a:t>
             </a:r>
           </a:p>
@@ -4370,7 +4345,7 @@
         </p:blipFill>
         <p:spPr>
           <a:xfrm>
-            <a:off x="304285" y="0"/>
+            <a:off x="1368826" y="922096"/>
             <a:ext cx="3848100" cy="5397500"/>
           </a:xfrm>
           <a:prstGeom prst="rect">
@@ -4408,12 +4383,51 @@
           </a:sp3d>
         </p:spPr>
       </p:pic>
+      <p:sp>
+        <p:nvSpPr>
+          <p:cNvPr id="3" name="Rectangle 2">
+            <a:extLst>
+              <a:ext uri="{FF2B5EF4-FFF2-40B4-BE49-F238E27FC236}">
+                <a16:creationId xmlns:a16="http://schemas.microsoft.com/office/drawing/2014/main" id="{32366023-600B-394B-8E20-525E3C4364AE}"/>
+              </a:ext>
+            </a:extLst>
+          </p:cNvPr>
+          <p:cNvSpPr/>
+          <p:nvPr/>
+        </p:nvSpPr>
+        <p:spPr>
+          <a:xfrm>
+            <a:off x="4558447" y="291069"/>
+            <a:ext cx="5719451" cy="369332"/>
+          </a:xfrm>
+          <a:prstGeom prst="rect">
+            <a:avLst/>
+          </a:prstGeom>
+        </p:spPr>
+        <p:txBody>
+          <a:bodyPr wrap="none">
+            <a:spAutoFit/>
+          </a:bodyPr>
+          <a:lstStyle/>
+          <a:p>
+            <a:r>
+              <a:rPr lang="en-US" dirty="0"/>
+              <a:t>https://www.1001fonts.com/</a:t>
+            </a:r>
+            <a:r>
+              <a:rPr lang="en-US" dirty="0" err="1"/>
+              <a:t>homoarakhn-font.html#styles</a:t>
+            </a:r>
+            <a:endParaRPr lang="en-US" dirty="0"/>
+          </a:p>
+        </p:txBody>
+      </p:sp>
       <p:pic>
         <p:nvPicPr>
-          <p:cNvPr id="5" name="Picture 4">
-            <a:extLst>
-              <a:ext uri="{FF2B5EF4-FFF2-40B4-BE49-F238E27FC236}">
-                <a16:creationId xmlns:a16="http://schemas.microsoft.com/office/drawing/2014/main" id="{F7DDC0BA-3405-3B4B-AF7A-D7D7548B843D}"/>
+          <p:cNvPr id="8" name="Picture 7">
+            <a:extLst>
+              <a:ext uri="{FF2B5EF4-FFF2-40B4-BE49-F238E27FC236}">
+                <a16:creationId xmlns:a16="http://schemas.microsoft.com/office/drawing/2014/main" id="{7DBDBA09-3C09-E247-9C73-D659F409EF82}"/>
               </a:ext>
             </a:extLst>
           </p:cNvPr>
@@ -4430,8 +4444,8 @@
         </p:blipFill>
         <p:spPr>
           <a:xfrm>
-            <a:off x="0" y="5375189"/>
-            <a:ext cx="8742989" cy="1482811"/>
+            <a:off x="4405356" y="1489504"/>
+            <a:ext cx="6692900" cy="419100"/>
           </a:xfrm>
           <a:prstGeom prst="rect">
             <a:avLst/>
@@ -4440,10 +4454,10 @@
       </p:pic>
       <p:pic>
         <p:nvPicPr>
-          <p:cNvPr id="6" name="Picture 5">
-            <a:extLst>
-              <a:ext uri="{FF2B5EF4-FFF2-40B4-BE49-F238E27FC236}">
-                <a16:creationId xmlns:a16="http://schemas.microsoft.com/office/drawing/2014/main" id="{CD103FE2-2460-7948-90F8-6B5A7E408904}"/>
+          <p:cNvPr id="15" name="Picture 14">
+            <a:extLst>
+              <a:ext uri="{FF2B5EF4-FFF2-40B4-BE49-F238E27FC236}">
+                <a16:creationId xmlns:a16="http://schemas.microsoft.com/office/drawing/2014/main" id="{5D5096E7-AB55-C147-8FD3-C79A0B72C195}"/>
               </a:ext>
             </a:extLst>
           </p:cNvPr>
@@ -4460,14 +4474,449 @@
         </p:blipFill>
         <p:spPr>
           <a:xfrm>
-            <a:off x="7531100" y="4651289"/>
-            <a:ext cx="4660900" cy="723900"/>
+            <a:off x="5178207" y="864493"/>
+            <a:ext cx="5499100" cy="406400"/>
           </a:xfrm>
           <a:prstGeom prst="rect">
             <a:avLst/>
           </a:prstGeom>
         </p:spPr>
       </p:pic>
+      <p:pic>
+        <p:nvPicPr>
+          <p:cNvPr id="19" name="Picture 18">
+            <a:extLst>
+              <a:ext uri="{FF2B5EF4-FFF2-40B4-BE49-F238E27FC236}">
+                <a16:creationId xmlns:a16="http://schemas.microsoft.com/office/drawing/2014/main" id="{8AA8C3A5-D34F-F442-B60C-A891DC2A68CD}"/>
+              </a:ext>
+            </a:extLst>
+          </p:cNvPr>
+          <p:cNvPicPr>
+            <a:picLocks noChangeAspect="1"/>
+          </p:cNvPicPr>
+          <p:nvPr/>
+        </p:nvPicPr>
+        <p:blipFill>
+          <a:blip r:embed="rId4"/>
+          <a:stretch>
+            <a:fillRect/>
+          </a:stretch>
+        </p:blipFill>
+        <p:spPr>
+          <a:xfrm>
+            <a:off x="9540755" y="3553613"/>
+            <a:ext cx="1819507" cy="134467"/>
+          </a:xfrm>
+          <a:prstGeom prst="rect">
+            <a:avLst/>
+          </a:prstGeom>
+        </p:spPr>
+      </p:pic>
+      <p:pic>
+        <p:nvPicPr>
+          <p:cNvPr id="20" name="Picture 19">
+            <a:extLst>
+              <a:ext uri="{FF2B5EF4-FFF2-40B4-BE49-F238E27FC236}">
+                <a16:creationId xmlns:a16="http://schemas.microsoft.com/office/drawing/2014/main" id="{EC22F6E6-F1EF-7247-B85C-8A4742AEE5AF}"/>
+              </a:ext>
+            </a:extLst>
+          </p:cNvPr>
+          <p:cNvPicPr>
+            <a:picLocks noChangeAspect="1"/>
+          </p:cNvPicPr>
+          <p:nvPr/>
+        </p:nvPicPr>
+        <p:blipFill>
+          <a:blip r:embed="rId4"/>
+          <a:stretch>
+            <a:fillRect/>
+          </a:stretch>
+        </p:blipFill>
+        <p:spPr>
+          <a:xfrm>
+            <a:off x="9693155" y="3706013"/>
+            <a:ext cx="1819507" cy="134467"/>
+          </a:xfrm>
+          <a:prstGeom prst="rect">
+            <a:avLst/>
+          </a:prstGeom>
+        </p:spPr>
+      </p:pic>
+      <p:pic>
+        <p:nvPicPr>
+          <p:cNvPr id="21" name="Picture 20">
+            <a:extLst>
+              <a:ext uri="{FF2B5EF4-FFF2-40B4-BE49-F238E27FC236}">
+                <a16:creationId xmlns:a16="http://schemas.microsoft.com/office/drawing/2014/main" id="{E5BD9032-B593-5E4C-B253-5E8E7206D831}"/>
+              </a:ext>
+            </a:extLst>
+          </p:cNvPr>
+          <p:cNvPicPr>
+            <a:picLocks noChangeAspect="1"/>
+          </p:cNvPicPr>
+          <p:nvPr/>
+        </p:nvPicPr>
+        <p:blipFill>
+          <a:blip r:embed="rId4"/>
+          <a:stretch>
+            <a:fillRect/>
+          </a:stretch>
+        </p:blipFill>
+        <p:spPr>
+          <a:xfrm>
+            <a:off x="9845555" y="3858413"/>
+            <a:ext cx="1819507" cy="134467"/>
+          </a:xfrm>
+          <a:prstGeom prst="rect">
+            <a:avLst/>
+          </a:prstGeom>
+        </p:spPr>
+      </p:pic>
+      <p:pic>
+        <p:nvPicPr>
+          <p:cNvPr id="22" name="Picture 21">
+            <a:extLst>
+              <a:ext uri="{FF2B5EF4-FFF2-40B4-BE49-F238E27FC236}">
+                <a16:creationId xmlns:a16="http://schemas.microsoft.com/office/drawing/2014/main" id="{2E3146DA-3D8D-2B46-BA47-89F123372303}"/>
+              </a:ext>
+            </a:extLst>
+          </p:cNvPr>
+          <p:cNvPicPr>
+            <a:picLocks noChangeAspect="1"/>
+          </p:cNvPicPr>
+          <p:nvPr/>
+        </p:nvPicPr>
+        <p:blipFill>
+          <a:blip r:embed="rId4"/>
+          <a:stretch>
+            <a:fillRect/>
+          </a:stretch>
+        </p:blipFill>
+        <p:spPr>
+          <a:xfrm>
+            <a:off x="9997955" y="4010813"/>
+            <a:ext cx="1819507" cy="134467"/>
+          </a:xfrm>
+          <a:prstGeom prst="rect">
+            <a:avLst/>
+          </a:prstGeom>
+        </p:spPr>
+      </p:pic>
+      <p:pic>
+        <p:nvPicPr>
+          <p:cNvPr id="23" name="Picture 22">
+            <a:extLst>
+              <a:ext uri="{FF2B5EF4-FFF2-40B4-BE49-F238E27FC236}">
+                <a16:creationId xmlns:a16="http://schemas.microsoft.com/office/drawing/2014/main" id="{8EA95F41-7656-9045-B35C-34FEF8402B71}"/>
+              </a:ext>
+            </a:extLst>
+          </p:cNvPr>
+          <p:cNvPicPr>
+            <a:picLocks noChangeAspect="1"/>
+          </p:cNvPicPr>
+          <p:nvPr/>
+        </p:nvPicPr>
+        <p:blipFill>
+          <a:blip r:embed="rId4"/>
+          <a:stretch>
+            <a:fillRect/>
+          </a:stretch>
+        </p:blipFill>
+        <p:spPr>
+          <a:xfrm>
+            <a:off x="10150355" y="4163213"/>
+            <a:ext cx="1819507" cy="134467"/>
+          </a:xfrm>
+          <a:prstGeom prst="rect">
+            <a:avLst/>
+          </a:prstGeom>
+        </p:spPr>
+      </p:pic>
+      <p:grpSp>
+        <p:nvGrpSpPr>
+          <p:cNvPr id="25" name="Group 24">
+            <a:extLst>
+              <a:ext uri="{FF2B5EF4-FFF2-40B4-BE49-F238E27FC236}">
+                <a16:creationId xmlns:a16="http://schemas.microsoft.com/office/drawing/2014/main" id="{9FDF0BB4-D2EF-6F4E-8A7F-7E980A0AA48E}"/>
+              </a:ext>
+            </a:extLst>
+          </p:cNvPr>
+          <p:cNvGrpSpPr>
+            <a:grpSpLocks/>
+          </p:cNvGrpSpPr>
+          <p:nvPr/>
+        </p:nvGrpSpPr>
+        <p:grpSpPr>
+          <a:xfrm>
+            <a:off x="4782065" y="2128794"/>
+            <a:ext cx="3962400" cy="3962400"/>
+            <a:chOff x="4782065" y="2128794"/>
+            <a:chExt cx="3962400" cy="3962400"/>
+          </a:xfrm>
+        </p:grpSpPr>
+        <p:pic>
+          <p:nvPicPr>
+            <p:cNvPr id="9" name="Picture 8">
+              <a:extLst>
+                <a:ext uri="{FF2B5EF4-FFF2-40B4-BE49-F238E27FC236}">
+                  <a16:creationId xmlns:a16="http://schemas.microsoft.com/office/drawing/2014/main" id="{B9515765-9959-0F4E-98C4-9641EE88E032}"/>
+                </a:ext>
+              </a:extLst>
+            </p:cNvPr>
+            <p:cNvPicPr>
+              <a:picLocks noChangeAspect="1"/>
+            </p:cNvPicPr>
+            <p:nvPr/>
+          </p:nvPicPr>
+          <p:blipFill>
+            <a:blip r:embed="rId5"/>
+            <a:stretch>
+              <a:fillRect/>
+            </a:stretch>
+          </p:blipFill>
+          <p:spPr>
+            <a:xfrm>
+              <a:off x="4782065" y="2128794"/>
+              <a:ext cx="3962400" cy="3962400"/>
+            </a:xfrm>
+            <a:prstGeom prst="rect">
+              <a:avLst/>
+            </a:prstGeom>
+          </p:spPr>
+        </p:pic>
+        <p:pic>
+          <p:nvPicPr>
+            <p:cNvPr id="11" name="Picture 10">
+              <a:extLst>
+                <a:ext uri="{FF2B5EF4-FFF2-40B4-BE49-F238E27FC236}">
+                  <a16:creationId xmlns:a16="http://schemas.microsoft.com/office/drawing/2014/main" id="{850E4BE6-F37A-CF43-9CF6-0AD121A076F9}"/>
+                </a:ext>
+              </a:extLst>
+            </p:cNvPr>
+            <p:cNvPicPr>
+              <a:picLocks noChangeAspect="1"/>
+            </p:cNvPicPr>
+            <p:nvPr/>
+          </p:nvPicPr>
+          <p:blipFill rotWithShape="1">
+            <a:blip r:embed="rId5"/>
+            <a:srcRect l="31118" t="28279" r="56821" b="66930"/>
+            <a:stretch/>
+          </p:blipFill>
+          <p:spPr>
+            <a:xfrm>
+              <a:off x="6013216" y="3405480"/>
+              <a:ext cx="477896" cy="461670"/>
+            </a:xfrm>
+            <a:prstGeom prst="rect">
+              <a:avLst/>
+            </a:prstGeom>
+          </p:spPr>
+        </p:pic>
+        <p:pic>
+          <p:nvPicPr>
+            <p:cNvPr id="13" name="Picture 12">
+              <a:extLst>
+                <a:ext uri="{FF2B5EF4-FFF2-40B4-BE49-F238E27FC236}">
+                  <a16:creationId xmlns:a16="http://schemas.microsoft.com/office/drawing/2014/main" id="{62904B74-1EDA-5A42-80D7-32F29DD76485}"/>
+                </a:ext>
+              </a:extLst>
+            </p:cNvPr>
+            <p:cNvPicPr>
+              <a:picLocks noChangeAspect="1"/>
+            </p:cNvPicPr>
+            <p:nvPr/>
+          </p:nvPicPr>
+          <p:blipFill rotWithShape="1">
+            <a:blip r:embed="rId5"/>
+            <a:srcRect l="34682" t="48678" r="61151" b="48948"/>
+            <a:stretch/>
+          </p:blipFill>
+          <p:spPr>
+            <a:xfrm>
+              <a:off x="6156914" y="3962400"/>
+              <a:ext cx="165100" cy="194618"/>
+            </a:xfrm>
+            <a:prstGeom prst="rect">
+              <a:avLst/>
+            </a:prstGeom>
+          </p:spPr>
+        </p:pic>
+        <p:pic>
+          <p:nvPicPr>
+            <p:cNvPr id="14" name="Picture 13">
+              <a:extLst>
+                <a:ext uri="{FF2B5EF4-FFF2-40B4-BE49-F238E27FC236}">
+                  <a16:creationId xmlns:a16="http://schemas.microsoft.com/office/drawing/2014/main" id="{843F485D-594A-5B4E-9E75-179165E68F69}"/>
+                </a:ext>
+              </a:extLst>
+            </p:cNvPr>
+            <p:cNvPicPr>
+              <a:picLocks noChangeAspect="1"/>
+            </p:cNvPicPr>
+            <p:nvPr/>
+          </p:nvPicPr>
+          <p:blipFill rotWithShape="1">
+            <a:blip r:embed="rId5"/>
+            <a:srcRect l="34682" t="48678" r="61151" b="48948"/>
+            <a:stretch/>
+          </p:blipFill>
+          <p:spPr>
+            <a:xfrm>
+              <a:off x="6168321" y="3912201"/>
+              <a:ext cx="142286" cy="194618"/>
+            </a:xfrm>
+            <a:prstGeom prst="rect">
+              <a:avLst/>
+            </a:prstGeom>
+          </p:spPr>
+        </p:pic>
+        <p:pic>
+          <p:nvPicPr>
+            <p:cNvPr id="7" name="Picture 6">
+              <a:extLst>
+                <a:ext uri="{FF2B5EF4-FFF2-40B4-BE49-F238E27FC236}">
+                  <a16:creationId xmlns:a16="http://schemas.microsoft.com/office/drawing/2014/main" id="{AF741A8B-2F5D-AA45-A5DA-E0CE0ACD633F}"/>
+                </a:ext>
+              </a:extLst>
+            </p:cNvPr>
+            <p:cNvPicPr>
+              <a:picLocks noChangeAspect="1"/>
+            </p:cNvPicPr>
+            <p:nvPr/>
+          </p:nvPicPr>
+          <p:blipFill rotWithShape="1">
+            <a:blip r:embed="rId4"/>
+            <a:srcRect l="42115" t="3078" r="45463" b="-15010"/>
+            <a:stretch/>
+          </p:blipFill>
+          <p:spPr>
+            <a:xfrm>
+              <a:off x="6139157" y="3111990"/>
+              <a:ext cx="226015" cy="150511"/>
+            </a:xfrm>
+            <a:prstGeom prst="rect">
+              <a:avLst/>
+            </a:prstGeom>
+          </p:spPr>
+        </p:pic>
+        <p:pic>
+          <p:nvPicPr>
+            <p:cNvPr id="16" name="Picture 15">
+              <a:extLst>
+                <a:ext uri="{FF2B5EF4-FFF2-40B4-BE49-F238E27FC236}">
+                  <a16:creationId xmlns:a16="http://schemas.microsoft.com/office/drawing/2014/main" id="{E8B868F9-70E0-494B-B21F-43B93F788D26}"/>
+                </a:ext>
+              </a:extLst>
+            </p:cNvPr>
+            <p:cNvPicPr>
+              <a:picLocks noChangeAspect="1"/>
+            </p:cNvPicPr>
+            <p:nvPr/>
+          </p:nvPicPr>
+          <p:blipFill rotWithShape="1">
+            <a:blip r:embed="rId4"/>
+            <a:srcRect l="54550" r="31436" b="-11931"/>
+            <a:stretch/>
+          </p:blipFill>
+          <p:spPr>
+            <a:xfrm>
+              <a:off x="6124674" y="3254970"/>
+              <a:ext cx="254980" cy="150510"/>
+            </a:xfrm>
+            <a:prstGeom prst="rect">
+              <a:avLst/>
+            </a:prstGeom>
+          </p:spPr>
+        </p:pic>
+        <p:pic>
+          <p:nvPicPr>
+            <p:cNvPr id="17" name="Picture 16">
+              <a:extLst>
+                <a:ext uri="{FF2B5EF4-FFF2-40B4-BE49-F238E27FC236}">
+                  <a16:creationId xmlns:a16="http://schemas.microsoft.com/office/drawing/2014/main" id="{632BB051-0C5C-A844-BD2B-1FA65C683841}"/>
+                </a:ext>
+              </a:extLst>
+            </p:cNvPr>
+            <p:cNvPicPr>
+              <a:picLocks noChangeAspect="1"/>
+            </p:cNvPicPr>
+            <p:nvPr/>
+          </p:nvPicPr>
+          <p:blipFill rotWithShape="1">
+            <a:blip r:embed="rId4"/>
+            <a:srcRect l="69213" t="-11930" r="16772"/>
+            <a:stretch/>
+          </p:blipFill>
+          <p:spPr>
+            <a:xfrm>
+              <a:off x="6124674" y="3388590"/>
+              <a:ext cx="254980" cy="150510"/>
+            </a:xfrm>
+            <a:prstGeom prst="rect">
+              <a:avLst/>
+            </a:prstGeom>
+          </p:spPr>
+        </p:pic>
+        <p:pic>
+          <p:nvPicPr>
+            <p:cNvPr id="18" name="Picture 17">
+              <a:extLst>
+                <a:ext uri="{FF2B5EF4-FFF2-40B4-BE49-F238E27FC236}">
+                  <a16:creationId xmlns:a16="http://schemas.microsoft.com/office/drawing/2014/main" id="{F6099027-460B-0441-9911-65CB7839A5FC}"/>
+                </a:ext>
+              </a:extLst>
+            </p:cNvPr>
+            <p:cNvPicPr>
+              <a:picLocks noChangeAspect="1"/>
+            </p:cNvPicPr>
+            <p:nvPr/>
+          </p:nvPicPr>
+          <p:blipFill rotWithShape="1">
+            <a:blip r:embed="rId4"/>
+            <a:srcRect l="83870" t="-5281" r="11942" b="-6651"/>
+            <a:stretch/>
+          </p:blipFill>
+          <p:spPr>
+            <a:xfrm>
+              <a:off x="6214064" y="3511470"/>
+              <a:ext cx="76200" cy="150510"/>
+            </a:xfrm>
+            <a:prstGeom prst="rect">
+              <a:avLst/>
+            </a:prstGeom>
+          </p:spPr>
+        </p:pic>
+        <p:pic>
+          <p:nvPicPr>
+            <p:cNvPr id="24" name="Picture 23">
+              <a:extLst>
+                <a:ext uri="{FF2B5EF4-FFF2-40B4-BE49-F238E27FC236}">
+                  <a16:creationId xmlns:a16="http://schemas.microsoft.com/office/drawing/2014/main" id="{DBFB2991-C0CB-9744-BBC9-B80CDA575A49}"/>
+                </a:ext>
+              </a:extLst>
+            </p:cNvPr>
+            <p:cNvPicPr>
+              <a:picLocks noChangeAspect="1"/>
+            </p:cNvPicPr>
+            <p:nvPr/>
+          </p:nvPicPr>
+          <p:blipFill rotWithShape="1">
+            <a:blip r:embed="rId4"/>
+            <a:srcRect l="88784" t="-11929" b="-11932"/>
+            <a:stretch/>
+          </p:blipFill>
+          <p:spPr>
+            <a:xfrm>
+              <a:off x="6150112" y="3677780"/>
+              <a:ext cx="204104" cy="166552"/>
+            </a:xfrm>
+            <a:prstGeom prst="rect">
+              <a:avLst/>
+            </a:prstGeom>
+          </p:spPr>
+        </p:pic>
+      </p:grpSp>
     </p:spTree>
     <p:extLst>
       <p:ext uri="{BB962C8B-B14F-4D97-AF65-F5344CB8AC3E}">

--- a/notes.pptx
+++ b/notes.pptx
@@ -7,9 +7,10 @@
   <p:sldIdLst>
     <p:sldId id="256" r:id="rId2"/>
     <p:sldId id="258" r:id="rId3"/>
-    <p:sldId id="260" r:id="rId4"/>
-    <p:sldId id="259" r:id="rId5"/>
-    <p:sldId id="257" r:id="rId6"/>
+    <p:sldId id="261" r:id="rId4"/>
+    <p:sldId id="260" r:id="rId5"/>
+    <p:sldId id="259" r:id="rId6"/>
+    <p:sldId id="257" r:id="rId7"/>
   </p:sldIdLst>
   <p:sldSz cx="12192000" cy="6858000"/>
   <p:notesSz cx="6858000" cy="9144000"/>
@@ -265,7 +266,7 @@
           <a:p>
             <a:fld id="{2520F6F4-E946-1746-9921-C7E20A3E8025}" type="datetimeFigureOut">
               <a:rPr lang="en-US" smtClean="0"/>
-              <a:t>3/20/20</a:t>
+              <a:t>3/25/20</a:t>
             </a:fld>
             <a:endParaRPr lang="en-US"/>
           </a:p>
@@ -465,7 +466,7 @@
           <a:p>
             <a:fld id="{2520F6F4-E946-1746-9921-C7E20A3E8025}" type="datetimeFigureOut">
               <a:rPr lang="en-US" smtClean="0"/>
-              <a:t>3/20/20</a:t>
+              <a:t>3/25/20</a:t>
             </a:fld>
             <a:endParaRPr lang="en-US"/>
           </a:p>
@@ -675,7 +676,7 @@
           <a:p>
             <a:fld id="{2520F6F4-E946-1746-9921-C7E20A3E8025}" type="datetimeFigureOut">
               <a:rPr lang="en-US" smtClean="0"/>
-              <a:t>3/20/20</a:t>
+              <a:t>3/25/20</a:t>
             </a:fld>
             <a:endParaRPr lang="en-US"/>
           </a:p>
@@ -875,7 +876,7 @@
           <a:p>
             <a:fld id="{2520F6F4-E946-1746-9921-C7E20A3E8025}" type="datetimeFigureOut">
               <a:rPr lang="en-US" smtClean="0"/>
-              <a:t>3/20/20</a:t>
+              <a:t>3/25/20</a:t>
             </a:fld>
             <a:endParaRPr lang="en-US"/>
           </a:p>
@@ -1151,7 +1152,7 @@
           <a:p>
             <a:fld id="{2520F6F4-E946-1746-9921-C7E20A3E8025}" type="datetimeFigureOut">
               <a:rPr lang="en-US" smtClean="0"/>
-              <a:t>3/20/20</a:t>
+              <a:t>3/25/20</a:t>
             </a:fld>
             <a:endParaRPr lang="en-US"/>
           </a:p>
@@ -1419,7 +1420,7 @@
           <a:p>
             <a:fld id="{2520F6F4-E946-1746-9921-C7E20A3E8025}" type="datetimeFigureOut">
               <a:rPr lang="en-US" smtClean="0"/>
-              <a:t>3/20/20</a:t>
+              <a:t>3/25/20</a:t>
             </a:fld>
             <a:endParaRPr lang="en-US"/>
           </a:p>
@@ -1834,7 +1835,7 @@
           <a:p>
             <a:fld id="{2520F6F4-E946-1746-9921-C7E20A3E8025}" type="datetimeFigureOut">
               <a:rPr lang="en-US" smtClean="0"/>
-              <a:t>3/20/20</a:t>
+              <a:t>3/25/20</a:t>
             </a:fld>
             <a:endParaRPr lang="en-US"/>
           </a:p>
@@ -1976,7 +1977,7 @@
           <a:p>
             <a:fld id="{2520F6F4-E946-1746-9921-C7E20A3E8025}" type="datetimeFigureOut">
               <a:rPr lang="en-US" smtClean="0"/>
-              <a:t>3/20/20</a:t>
+              <a:t>3/25/20</a:t>
             </a:fld>
             <a:endParaRPr lang="en-US"/>
           </a:p>
@@ -2089,7 +2090,7 @@
           <a:p>
             <a:fld id="{2520F6F4-E946-1746-9921-C7E20A3E8025}" type="datetimeFigureOut">
               <a:rPr lang="en-US" smtClean="0"/>
-              <a:t>3/20/20</a:t>
+              <a:t>3/25/20</a:t>
             </a:fld>
             <a:endParaRPr lang="en-US"/>
           </a:p>
@@ -2402,7 +2403,7 @@
           <a:p>
             <a:fld id="{2520F6F4-E946-1746-9921-C7E20A3E8025}" type="datetimeFigureOut">
               <a:rPr lang="en-US" smtClean="0"/>
-              <a:t>3/20/20</a:t>
+              <a:t>3/25/20</a:t>
             </a:fld>
             <a:endParaRPr lang="en-US"/>
           </a:p>
@@ -2691,7 +2692,7 @@
           <a:p>
             <a:fld id="{2520F6F4-E946-1746-9921-C7E20A3E8025}" type="datetimeFigureOut">
               <a:rPr lang="en-US" smtClean="0"/>
-              <a:t>3/20/20</a:t>
+              <a:t>3/25/20</a:t>
             </a:fld>
             <a:endParaRPr lang="en-US"/>
           </a:p>
@@ -2934,7 +2935,7 @@
           <a:p>
             <a:fld id="{2520F6F4-E946-1746-9921-C7E20A3E8025}" type="datetimeFigureOut">
               <a:rPr lang="en-US" smtClean="0"/>
-              <a:t>3/20/20</a:t>
+              <a:t>3/25/20</a:t>
             </a:fld>
             <a:endParaRPr lang="en-US"/>
           </a:p>
@@ -3938,47 +3939,62 @@
           <a:p>
             <a:r>
               <a:rPr lang="en-US" dirty="0"/>
+              <a:t>Show score (60 ticks =10 </a:t>
+            </a:r>
+            <a:r>
+              <a:rPr lang="en-US" dirty="0" err="1"/>
+              <a:t>metres</a:t>
+            </a:r>
+            <a:r>
+              <a:rPr lang="en-US" dirty="0"/>
+              <a:t> – only counts if finger on button)</a:t>
+            </a:r>
+          </a:p>
+          <a:p>
+            <a:r>
+              <a:rPr lang="en-US" dirty="0"/>
+              <a:t>Explosion for end game</a:t>
+            </a:r>
+          </a:p>
+          <a:p>
+            <a:r>
+              <a:rPr lang="en-US" dirty="0"/>
+              <a:t>Sky </a:t>
+            </a:r>
+            <a:r>
+              <a:rPr lang="en-US" dirty="0" err="1"/>
+              <a:t>colour</a:t>
+            </a:r>
+            <a:r>
+              <a:rPr lang="en-US" dirty="0"/>
+              <a:t> – STARTED</a:t>
+            </a:r>
+          </a:p>
+          <a:p>
+            <a:r>
+              <a:rPr lang="en-US" dirty="0"/>
+              <a:t>Finish start screen with </a:t>
+            </a:r>
+            <a:r>
+              <a:rPr lang="en-US" dirty="0" err="1"/>
+              <a:t>skyrokit</a:t>
+            </a:r>
+            <a:r>
+              <a:rPr lang="en-US" dirty="0"/>
+              <a:t> logo and copyright image</a:t>
+            </a:r>
+          </a:p>
+          <a:p>
+            <a:r>
+              <a:rPr lang="en-US" dirty="0"/>
               <a:t>Make starfield start blank, then steadily increase the amount of stars</a:t>
             </a:r>
           </a:p>
           <a:p>
             <a:r>
-              <a:rPr lang="en-US" dirty="0"/>
-              <a:t>Show launchpad</a:t>
-            </a:r>
-          </a:p>
-          <a:p>
-            <a:r>
               <a:rPr lang="en-US" strike="sngStrike" dirty="0"/>
-              <a:t>Allow rocket to drop back when no button is pressed </a:t>
-            </a:r>
-            <a:r>
-              <a:rPr lang="en-US" dirty="0"/>
-              <a:t>(along with a corresponding delay to the starfield)</a:t>
-            </a:r>
-          </a:p>
-          <a:p>
-            <a:r>
-              <a:rPr lang="en-US" strike="sngStrike" dirty="0"/>
-              <a:t>Show fuel</a:t>
-            </a:r>
-          </a:p>
-          <a:p>
-            <a:r>
-              <a:rPr lang="en-US" strike="sngStrike" dirty="0"/>
-              <a:t>Show heat</a:t>
-            </a:r>
-          </a:p>
-          <a:p>
-            <a:r>
-              <a:rPr lang="en-US" dirty="0"/>
-              <a:t>Show score (height – only counts if finger </a:t>
-            </a:r>
-            <a:r>
-              <a:rPr lang="en-US"/>
-              <a:t>on button)</a:t>
-            </a:r>
-            <a:endParaRPr lang="en-US" dirty="0"/>
+              <a:t>Make rocket able to go higher on the screen</a:t>
+            </a:r>
           </a:p>
           <a:p>
             <a:r>
@@ -3995,6 +4011,12 @@
           <a:p>
             <a:r>
               <a:rPr lang="en-US" dirty="0"/>
+              <a:t>Add things to bump into and kill you or hurt you</a:t>
+            </a:r>
+          </a:p>
+          <a:p>
+            <a:r>
+              <a:rPr lang="en-US" dirty="0"/>
               <a:t>Possibly add left and right steering…..</a:t>
             </a:r>
           </a:p>
@@ -4020,26 +4042,6 @@
             <a:r>
               <a:rPr lang="en-US" dirty="0"/>
               <a:t>Different rockets </a:t>
-            </a:r>
-          </a:p>
-          <a:p>
-            <a:r>
-              <a:rPr lang="en-US" dirty="0"/>
-              <a:t>Sky </a:t>
-            </a:r>
-            <a:r>
-              <a:rPr lang="en-US" dirty="0" err="1"/>
-              <a:t>colour</a:t>
-            </a:r>
-            <a:r>
-              <a:rPr lang="en-US" dirty="0"/>
-              <a:t> - STARTED</a:t>
-            </a:r>
-          </a:p>
-          <a:p>
-            <a:r>
-              <a:rPr lang="en-US" dirty="0"/>
-              <a:t>When rocket dropping back, fuel stops, but when it hits the bottom of the screen, it should explode…..</a:t>
             </a:r>
           </a:p>
         </p:txBody>
@@ -4097,6 +4099,123 @@
           <a:p>
             <a:r>
               <a:rPr lang="en-US" dirty="0"/>
+              <a:t>Done	</a:t>
+            </a:r>
+          </a:p>
+        </p:txBody>
+      </p:sp>
+      <p:sp>
+        <p:nvSpPr>
+          <p:cNvPr id="3" name="Content Placeholder 2">
+            <a:extLst>
+              <a:ext uri="{FF2B5EF4-FFF2-40B4-BE49-F238E27FC236}">
+                <a16:creationId xmlns:a16="http://schemas.microsoft.com/office/drawing/2014/main" id="{8C47E09D-E5D1-1543-961B-36B8CE3D2691}"/>
+              </a:ext>
+            </a:extLst>
+          </p:cNvPr>
+          <p:cNvSpPr>
+            <a:spLocks noGrp="1"/>
+          </p:cNvSpPr>
+          <p:nvPr>
+            <p:ph idx="1"/>
+          </p:nvPr>
+        </p:nvSpPr>
+        <p:spPr/>
+        <p:txBody>
+          <a:bodyPr>
+            <a:normAutofit/>
+          </a:bodyPr>
+          <a:lstStyle/>
+          <a:p>
+            <a:r>
+              <a:rPr lang="en-US" strike="sngStrike" dirty="0"/>
+              <a:t>Show launchpad</a:t>
+            </a:r>
+            <a:endParaRPr lang="en-US" dirty="0"/>
+          </a:p>
+          <a:p>
+            <a:r>
+              <a:rPr lang="en-US" strike="sngStrike" dirty="0"/>
+              <a:t>Allow rocket to drop back when no button is pressed </a:t>
+            </a:r>
+            <a:r>
+              <a:rPr lang="en-US" dirty="0"/>
+              <a:t>(along with a corresponding delay to the starfield)</a:t>
+            </a:r>
+          </a:p>
+          <a:p>
+            <a:r>
+              <a:rPr lang="en-US" strike="sngStrike" dirty="0"/>
+              <a:t>Show fuel</a:t>
+            </a:r>
+          </a:p>
+          <a:p>
+            <a:r>
+              <a:rPr lang="en-US" strike="sngStrike" dirty="0"/>
+              <a:t>Show heat</a:t>
+            </a:r>
+          </a:p>
+          <a:p>
+            <a:r>
+              <a:rPr lang="en-US" strike="sngStrike" dirty="0"/>
+              <a:t>When rocket dropping back, fuel stops, but when it hits the bottom of the screen, it should explode….. </a:t>
+            </a:r>
+          </a:p>
+        </p:txBody>
+      </p:sp>
+    </p:spTree>
+    <p:extLst>
+      <p:ext uri="{BB962C8B-B14F-4D97-AF65-F5344CB8AC3E}">
+        <p14:creationId xmlns:p14="http://schemas.microsoft.com/office/powerpoint/2010/main" val="871130498"/>
+      </p:ext>
+    </p:extLst>
+  </p:cSld>
+  <p:clrMapOvr>
+    <a:masterClrMapping/>
+  </p:clrMapOvr>
+</p:sld>
+</file>
+
+<file path=ppt/slides/slide4.xml><?xml version="1.0" encoding="utf-8"?>
+<p:sld xmlns:a="http://schemas.openxmlformats.org/drawingml/2006/main" xmlns:r="http://schemas.openxmlformats.org/officeDocument/2006/relationships" xmlns:p="http://schemas.openxmlformats.org/presentationml/2006/main">
+  <p:cSld>
+    <p:spTree>
+      <p:nvGrpSpPr>
+        <p:cNvPr id="1" name=""/>
+        <p:cNvGrpSpPr/>
+        <p:nvPr/>
+      </p:nvGrpSpPr>
+      <p:grpSpPr>
+        <a:xfrm>
+          <a:off x="0" y="0"/>
+          <a:ext cx="0" cy="0"/>
+          <a:chOff x="0" y="0"/>
+          <a:chExt cx="0" cy="0"/>
+        </a:xfrm>
+      </p:grpSpPr>
+      <p:sp>
+        <p:nvSpPr>
+          <p:cNvPr id="2" name="Title 1">
+            <a:extLst>
+              <a:ext uri="{FF2B5EF4-FFF2-40B4-BE49-F238E27FC236}">
+                <a16:creationId xmlns:a16="http://schemas.microsoft.com/office/drawing/2014/main" id="{EA4D8C31-3C17-2944-B111-ED6F2DF832C1}"/>
+              </a:ext>
+            </a:extLst>
+          </p:cNvPr>
+          <p:cNvSpPr>
+            <a:spLocks noGrp="1"/>
+          </p:cNvSpPr>
+          <p:nvPr>
+            <p:ph type="title"/>
+          </p:nvPr>
+        </p:nvSpPr>
+        <p:spPr/>
+        <p:txBody>
+          <a:bodyPr/>
+          <a:lstStyle/>
+          <a:p>
+            <a:r>
+              <a:rPr lang="en-US" dirty="0"/>
               <a:t>Bugs</a:t>
             </a:r>
           </a:p>
@@ -4126,169 +4245,19 @@
         </p:spPr>
         <p:txBody>
           <a:bodyPr>
-            <a:normAutofit fontScale="62500" lnSpcReduction="20000"/>
+            <a:normAutofit/>
           </a:bodyPr>
           <a:lstStyle/>
           <a:p>
             <a:r>
               <a:rPr lang="en-US" strike="sngStrike" dirty="0"/>
-              <a:t>When power is not applied. heat should drop back – think this works.</a:t>
-            </a:r>
-          </a:p>
-          <a:p>
-            <a:endParaRPr lang="en-US" dirty="0"/>
-          </a:p>
-          <a:p>
-            <a:r>
-              <a:rPr lang="en-US" b="1" strike="sngStrike" dirty="0"/>
-              <a:t>Heat</a:t>
-            </a:r>
-          </a:p>
-          <a:p>
-            <a:r>
-              <a:rPr lang="en-US" b="1" dirty="0"/>
-              <a:t> </a:t>
-            </a:r>
-            <a:r>
-              <a:rPr lang="en-US" b="1" strike="sngStrike" dirty="0" err="1"/>
-              <a:t>heatframe</a:t>
-            </a:r>
-            <a:r>
-              <a:rPr lang="en-US" b="1" strike="sngStrike" dirty="0"/>
-              <a:t> = 0</a:t>
+              <a:t>Launchpad needs to disappear correctly when rocket takes off</a:t>
             </a:r>
           </a:p>
           <a:p>
             <a:r>
               <a:rPr lang="en-US" strike="sngStrike" dirty="0"/>
-              <a:t> heat – each frame increase </a:t>
-            </a:r>
-            <a:r>
-              <a:rPr lang="en-US" strike="sngStrike" dirty="0" err="1"/>
-              <a:t>heatframe</a:t>
-            </a:r>
-            <a:r>
-              <a:rPr lang="en-US" strike="sngStrike" dirty="0"/>
-              <a:t> by1 </a:t>
-            </a:r>
-            <a:r>
-              <a:rPr lang="en-US" dirty="0"/>
-              <a:t>– </a:t>
-            </a:r>
-            <a:r>
-              <a:rPr lang="en-US" strike="sngStrike" dirty="0"/>
-              <a:t>check if button is pressed</a:t>
-            </a:r>
-          </a:p>
-          <a:p>
-            <a:r>
-              <a:rPr lang="en-US" strike="sngStrike" dirty="0"/>
-              <a:t>    if button is pressed, add 1 to </a:t>
-            </a:r>
-            <a:r>
-              <a:rPr lang="en-US" strike="sngStrike" dirty="0" err="1"/>
-              <a:t>heatcounter</a:t>
-            </a:r>
-            <a:endParaRPr lang="en-US" strike="sngStrike" dirty="0"/>
-          </a:p>
-          <a:p>
-            <a:r>
-              <a:rPr lang="en-US" strike="sngStrike" dirty="0"/>
-              <a:t>    if button is not pressed, subtract 1 from </a:t>
-            </a:r>
-            <a:r>
-              <a:rPr lang="en-US" strike="sngStrike" dirty="0" err="1"/>
-              <a:t>heatcounter</a:t>
-            </a:r>
-            <a:endParaRPr lang="en-US" strike="sngStrike" dirty="0"/>
-          </a:p>
-          <a:p>
-            <a:r>
-              <a:rPr lang="en-US" strike="sngStrike" dirty="0"/>
-              <a:t> each 60 frames (n is 60 per second – if check required, set </a:t>
-            </a:r>
-            <a:r>
-              <a:rPr lang="en-US" strike="sngStrike" dirty="0" err="1"/>
-              <a:t>heatframe</a:t>
-            </a:r>
-            <a:r>
-              <a:rPr lang="en-US" strike="sngStrike" dirty="0"/>
-              <a:t> to zero), check to see if </a:t>
-            </a:r>
-            <a:r>
-              <a:rPr lang="en-US" strike="sngStrike" dirty="0" err="1"/>
-              <a:t>heatcounter</a:t>
-            </a:r>
-            <a:r>
-              <a:rPr lang="en-US" strike="sngStrike" dirty="0"/>
-              <a:t> &gt;= 60</a:t>
-            </a:r>
-          </a:p>
-          <a:p>
-            <a:r>
-              <a:rPr lang="en-US" strike="sngStrike" dirty="0"/>
-              <a:t> if </a:t>
-            </a:r>
-            <a:r>
-              <a:rPr lang="en-US" strike="sngStrike" dirty="0" err="1"/>
-              <a:t>heatcounter</a:t>
-            </a:r>
-            <a:r>
-              <a:rPr lang="en-US" strike="sngStrike" dirty="0"/>
-              <a:t> &gt;= 60 then increase level by </a:t>
-            </a:r>
-            <a:r>
-              <a:rPr lang="en-US" strike="sngStrike" dirty="0" err="1"/>
-              <a:t>heatuse</a:t>
-            </a:r>
-            <a:r>
-              <a:rPr lang="en-US" strike="sngStrike" dirty="0"/>
-              <a:t> and set n and </a:t>
-            </a:r>
-            <a:r>
-              <a:rPr lang="en-US" strike="sngStrike" dirty="0" err="1"/>
-              <a:t>heatcounter</a:t>
-            </a:r>
-            <a:r>
-              <a:rPr lang="en-US" strike="sngStrike" dirty="0"/>
-              <a:t> to zero.</a:t>
-            </a:r>
-          </a:p>
-          <a:p>
-            <a:r>
-              <a:rPr lang="en-US" strike="sngStrike" dirty="0"/>
-              <a:t>      else decrease level by </a:t>
-            </a:r>
-            <a:r>
-              <a:rPr lang="en-US" strike="sngStrike" dirty="0" err="1"/>
-              <a:t>heatuse</a:t>
-            </a:r>
-            <a:r>
-              <a:rPr lang="en-US" strike="sngStrike" dirty="0"/>
-              <a:t> and set n and </a:t>
-            </a:r>
-            <a:r>
-              <a:rPr lang="en-US" strike="sngStrike" dirty="0" err="1"/>
-              <a:t>heatcounter</a:t>
-            </a:r>
-            <a:r>
-              <a:rPr lang="en-US" strike="sngStrike" dirty="0"/>
-              <a:t> to zero.</a:t>
-            </a:r>
-          </a:p>
-          <a:p>
-            <a:r>
-              <a:rPr lang="en-US" dirty="0"/>
-              <a:t> </a:t>
-            </a:r>
-          </a:p>
-          <a:p>
-            <a:endParaRPr lang="en-US" dirty="0"/>
-          </a:p>
-          <a:p>
-            <a:r>
-              <a:rPr lang="en-US" dirty="0"/>
-              <a:t>NOTE THAT 60 will be variable once this works…..</a:t>
+              <a:t>When power is not applied. heat should drop back</a:t>
             </a:r>
           </a:p>
         </p:txBody>
@@ -4306,7 +4275,7 @@
 </p:sld>
 </file>
 
-<file path=ppt/slides/slide4.xml><?xml version="1.0" encoding="utf-8"?>
+<file path=ppt/slides/slide5.xml><?xml version="1.0" encoding="utf-8"?>
 <p:sld xmlns:a="http://schemas.openxmlformats.org/drawingml/2006/main" xmlns:r="http://schemas.openxmlformats.org/officeDocument/2006/relationships" xmlns:p="http://schemas.openxmlformats.org/presentationml/2006/main">
   <p:cSld>
     <p:spTree>
@@ -4444,8 +4413,8 @@
         </p:blipFill>
         <p:spPr>
           <a:xfrm>
-            <a:off x="4405356" y="1489504"/>
-            <a:ext cx="6692900" cy="419100"/>
+            <a:off x="8270073" y="1782406"/>
+            <a:ext cx="3760563" cy="235482"/>
           </a:xfrm>
           <a:prstGeom prst="rect">
             <a:avLst/>
@@ -4474,7 +4443,7 @@
         </p:blipFill>
         <p:spPr>
           <a:xfrm>
-            <a:off x="5178207" y="864493"/>
+            <a:off x="6013562" y="820121"/>
             <a:ext cx="5499100" cy="406400"/>
           </a:xfrm>
           <a:prstGeom prst="rect">
@@ -4504,7 +4473,7 @@
         </p:blipFill>
         <p:spPr>
           <a:xfrm>
-            <a:off x="9540755" y="3553613"/>
+            <a:off x="9794981" y="4816356"/>
             <a:ext cx="1819507" cy="134467"/>
           </a:xfrm>
           <a:prstGeom prst="rect">
@@ -4648,7 +4617,7 @@
         </p:nvGrpSpPr>
         <p:grpSpPr>
           <a:xfrm>
-            <a:off x="4782065" y="2128794"/>
+            <a:off x="5510799" y="2316480"/>
             <a:ext cx="3962400" cy="3962400"/>
             <a:chOff x="4782065" y="2128794"/>
             <a:chExt cx="3962400" cy="3962400"/>
@@ -4917,6 +4886,66 @@
           </p:spPr>
         </p:pic>
       </p:grpSp>
+      <p:pic>
+        <p:nvPicPr>
+          <p:cNvPr id="27" name="Picture 26">
+            <a:extLst>
+              <a:ext uri="{FF2B5EF4-FFF2-40B4-BE49-F238E27FC236}">
+                <a16:creationId xmlns:a16="http://schemas.microsoft.com/office/drawing/2014/main" id="{F1D5FE27-D393-7147-AAF8-2A32FCDC10B8}"/>
+              </a:ext>
+            </a:extLst>
+          </p:cNvPr>
+          <p:cNvPicPr>
+            <a:picLocks noChangeAspect="1"/>
+          </p:cNvPicPr>
+          <p:nvPr/>
+        </p:nvPicPr>
+        <p:blipFill>
+          <a:blip r:embed="rId6"/>
+          <a:stretch>
+            <a:fillRect/>
+          </a:stretch>
+        </p:blipFill>
+        <p:spPr>
+          <a:xfrm>
+            <a:off x="4114800" y="1447800"/>
+            <a:ext cx="3962400" cy="3962400"/>
+          </a:xfrm>
+          <a:prstGeom prst="rect">
+            <a:avLst/>
+          </a:prstGeom>
+        </p:spPr>
+      </p:pic>
+      <p:pic>
+        <p:nvPicPr>
+          <p:cNvPr id="28" name="Picture 27">
+            <a:extLst>
+              <a:ext uri="{FF2B5EF4-FFF2-40B4-BE49-F238E27FC236}">
+                <a16:creationId xmlns:a16="http://schemas.microsoft.com/office/drawing/2014/main" id="{926D0571-5344-824C-AAA0-137712E6B657}"/>
+              </a:ext>
+            </a:extLst>
+          </p:cNvPr>
+          <p:cNvPicPr>
+            <a:picLocks noChangeAspect="1"/>
+          </p:cNvPicPr>
+          <p:nvPr/>
+        </p:nvPicPr>
+        <p:blipFill>
+          <a:blip r:embed="rId7"/>
+          <a:stretch>
+            <a:fillRect/>
+          </a:stretch>
+        </p:blipFill>
+        <p:spPr>
+          <a:xfrm>
+            <a:off x="9851527" y="2579680"/>
+            <a:ext cx="1828800" cy="139700"/>
+          </a:xfrm>
+          <a:prstGeom prst="rect">
+            <a:avLst/>
+          </a:prstGeom>
+        </p:spPr>
+      </p:pic>
     </p:spTree>
     <p:extLst>
       <p:ext uri="{BB962C8B-B14F-4D97-AF65-F5344CB8AC3E}">
@@ -4930,7 +4959,7 @@
 </p:sld>
 </file>
 
-<file path=ppt/slides/slide5.xml><?xml version="1.0" encoding="utf-8"?>
+<file path=ppt/slides/slide6.xml><?xml version="1.0" encoding="utf-8"?>
 <p:sld xmlns:a="http://schemas.openxmlformats.org/drawingml/2006/main" xmlns:r="http://schemas.openxmlformats.org/officeDocument/2006/relationships" xmlns:p="http://schemas.openxmlformats.org/presentationml/2006/main">
   <p:cSld>
     <p:bg>

--- a/notes.pptx
+++ b/notes.pptx
@@ -3933,7 +3933,7 @@
         <p:spPr/>
         <p:txBody>
           <a:bodyPr>
-            <a:normAutofit fontScale="55000" lnSpcReduction="20000"/>
+            <a:normAutofit fontScale="32500" lnSpcReduction="20000"/>
           </a:bodyPr>
           <a:lstStyle/>
           <a:p>
@@ -3972,21 +3972,27 @@
           </a:p>
           <a:p>
             <a:r>
-              <a:rPr lang="en-US" dirty="0"/>
+              <a:rPr lang="en-US" strike="sngStrike" dirty="0"/>
               <a:t>Finish start screen with </a:t>
             </a:r>
             <a:r>
-              <a:rPr lang="en-US" dirty="0" err="1"/>
+              <a:rPr lang="en-US" strike="sngStrike" dirty="0" err="1"/>
               <a:t>skyrokit</a:t>
             </a:r>
             <a:r>
-              <a:rPr lang="en-US" dirty="0"/>
+              <a:rPr lang="en-US" strike="sngStrike" dirty="0"/>
               <a:t> logo and copyright image</a:t>
             </a:r>
           </a:p>
           <a:p>
             <a:r>
-              <a:rPr lang="en-US" dirty="0"/>
+              <a:rPr lang="en-US" strike="sngStrike" dirty="0"/>
+              <a:t>Redid launch pad</a:t>
+            </a:r>
+          </a:p>
+          <a:p>
+            <a:r>
+              <a:rPr lang="en-US" strike="sngStrike" dirty="0"/>
               <a:t>Make starfield start blank, then steadily increase the amount of stars</a:t>
             </a:r>
           </a:p>
@@ -4001,6 +4007,38 @@
               <a:rPr lang="en-US" dirty="0"/>
               <a:t>-------</a:t>
             </a:r>
+          </a:p>
+          <a:p>
+            <a:r>
+              <a:rPr lang="en-US" dirty="0"/>
+              <a:t>Mission</a:t>
+            </a:r>
+          </a:p>
+          <a:p>
+            <a:pPr lvl="1"/>
+            <a:r>
+              <a:rPr lang="en-US" dirty="0"/>
+              <a:t>Remove wings on takeoff</a:t>
+            </a:r>
+          </a:p>
+          <a:p>
+            <a:pPr lvl="1"/>
+            <a:r>
+              <a:rPr lang="en-US" dirty="0"/>
+              <a:t>Deploy payload</a:t>
+            </a:r>
+          </a:p>
+          <a:p>
+            <a:pPr lvl="1"/>
+            <a:r>
+              <a:rPr lang="en-US" dirty="0"/>
+              <a:t>Allow retros too fire and </a:t>
+            </a:r>
+            <a:r>
+              <a:rPr lang="en-US"/>
+              <a:t>release landing legs</a:t>
+            </a:r>
+            <a:endParaRPr lang="en-US" dirty="0"/>
           </a:p>
           <a:p>
             <a:r>

--- a/notes.pptx
+++ b/notes.pptx
@@ -3933,7 +3933,7 @@
         <p:spPr/>
         <p:txBody>
           <a:bodyPr>
-            <a:normAutofit fontScale="32500" lnSpcReduction="20000"/>
+            <a:normAutofit fontScale="55000" lnSpcReduction="20000"/>
           </a:bodyPr>
           <a:lstStyle/>
           <a:p>
@@ -3972,38 +3972,6 @@
           </a:p>
           <a:p>
             <a:r>
-              <a:rPr lang="en-US" strike="sngStrike" dirty="0"/>
-              <a:t>Finish start screen with </a:t>
-            </a:r>
-            <a:r>
-              <a:rPr lang="en-US" strike="sngStrike" dirty="0" err="1"/>
-              <a:t>skyrokit</a:t>
-            </a:r>
-            <a:r>
-              <a:rPr lang="en-US" strike="sngStrike" dirty="0"/>
-              <a:t> logo and copyright image</a:t>
-            </a:r>
-          </a:p>
-          <a:p>
-            <a:r>
-              <a:rPr lang="en-US" strike="sngStrike" dirty="0"/>
-              <a:t>Redid launch pad</a:t>
-            </a:r>
-          </a:p>
-          <a:p>
-            <a:r>
-              <a:rPr lang="en-US" strike="sngStrike" dirty="0"/>
-              <a:t>Make starfield start blank, then steadily increase the amount of stars</a:t>
-            </a:r>
-          </a:p>
-          <a:p>
-            <a:r>
-              <a:rPr lang="en-US" strike="sngStrike" dirty="0"/>
-              <a:t>Make rocket able to go higher on the screen</a:t>
-            </a:r>
-          </a:p>
-          <a:p>
-            <a:r>
               <a:rPr lang="en-US" dirty="0"/>
               <a:t>-------</a:t>
             </a:r>
@@ -4017,7 +3985,7 @@
           <a:p>
             <a:pPr lvl="1"/>
             <a:r>
-              <a:rPr lang="en-US" dirty="0"/>
+              <a:rPr lang="en-US" strike="sngStrike" dirty="0"/>
               <a:t>Remove wings on takeoff</a:t>
             </a:r>
           </a:p>
@@ -4032,13 +4000,8 @@
             <a:pPr lvl="1"/>
             <a:r>
               <a:rPr lang="en-US" dirty="0"/>
-              <a:t>Allow retros too fire and </a:t>
-            </a:r>
-            <a:r>
-              <a:rPr lang="en-US"/>
-              <a:t>release landing legs</a:t>
-            </a:r>
-            <a:endParaRPr lang="en-US" dirty="0"/>
+              <a:t>Allow retros too fire and release landing legs</a:t>
+            </a:r>
           </a:p>
           <a:p>
             <a:r>
@@ -4161,7 +4124,7 @@
         <p:spPr/>
         <p:txBody>
           <a:bodyPr>
-            <a:normAutofit/>
+            <a:normAutofit fontScale="92500" lnSpcReduction="20000"/>
           </a:bodyPr>
           <a:lstStyle/>
           <a:p>
@@ -4198,6 +4161,41 @@
               <a:rPr lang="en-US" strike="sngStrike" dirty="0"/>
               <a:t>When rocket dropping back, fuel stops, but when it hits the bottom of the screen, it should explode….. </a:t>
             </a:r>
+          </a:p>
+          <a:p>
+            <a:r>
+              <a:rPr lang="en-US" strike="sngStrike" dirty="0"/>
+              <a:t>Finish start screen with </a:t>
+            </a:r>
+            <a:r>
+              <a:rPr lang="en-US" strike="sngStrike" dirty="0" err="1"/>
+              <a:t>skyrokit</a:t>
+            </a:r>
+            <a:r>
+              <a:rPr lang="en-US" strike="sngStrike" dirty="0"/>
+              <a:t> logo and copyright image</a:t>
+            </a:r>
+          </a:p>
+          <a:p>
+            <a:r>
+              <a:rPr lang="en-US" strike="sngStrike" dirty="0"/>
+              <a:t>Redid launch pad</a:t>
+            </a:r>
+          </a:p>
+          <a:p>
+            <a:r>
+              <a:rPr lang="en-US" strike="sngStrike" dirty="0"/>
+              <a:t>Make starfield start blank, then steadily increase the amount of stars</a:t>
+            </a:r>
+          </a:p>
+          <a:p>
+            <a:r>
+              <a:rPr lang="en-US" strike="sngStrike" dirty="0"/>
+              <a:t>Make rocket able to go higher on the screen</a:t>
+            </a:r>
+          </a:p>
+          <a:p>
+            <a:endParaRPr lang="en-US" strike="sngStrike" dirty="0"/>
           </a:p>
         </p:txBody>
       </p:sp>

--- a/notes.pptx
+++ b/notes.pptx
@@ -3933,7 +3933,7 @@
         <p:spPr/>
         <p:txBody>
           <a:bodyPr>
-            <a:normAutofit fontScale="55000" lnSpcReduction="20000"/>
+            <a:normAutofit fontScale="47500" lnSpcReduction="20000"/>
           </a:bodyPr>
           <a:lstStyle/>
           <a:p>
@@ -3972,6 +3972,26 @@
           </a:p>
           <a:p>
             <a:r>
+              <a:rPr lang="en-US" strike="sngStrike" dirty="0"/>
+              <a:t>Added facility for </a:t>
+            </a:r>
+            <a:r>
+              <a:rPr lang="en-US" strike="sngStrike" dirty="0" err="1"/>
+              <a:t>coloured</a:t>
+            </a:r>
+            <a:r>
+              <a:rPr lang="en-US" strike="sngStrike" dirty="0"/>
+              <a:t> stars (on/off)</a:t>
+            </a:r>
+          </a:p>
+          <a:p>
+            <a:r>
+              <a:rPr lang="en-US" strike="sngStrike" dirty="0"/>
+              <a:t>Music</a:t>
+            </a:r>
+          </a:p>
+          <a:p>
+            <a:r>
               <a:rPr lang="en-US" dirty="0"/>
               <a:t>-------</a:t>
             </a:r>
@@ -4000,7 +4020,7 @@
             <a:pPr lvl="1"/>
             <a:r>
               <a:rPr lang="en-US" dirty="0"/>
-              <a:t>Allow retros too fire and release landing legs</a:t>
+              <a:t>Allow retros to fire and release landing legs</a:t>
             </a:r>
           </a:p>
           <a:p>
@@ -4030,7 +4050,7 @@
           <a:p>
             <a:r>
               <a:rPr lang="en-US" dirty="0"/>
-              <a:t>Music</a:t>
+              <a:t>Add random comets flying across the screen as you get higher</a:t>
             </a:r>
           </a:p>
           <a:p>

--- a/notes.pptx
+++ b/notes.pptx
@@ -266,7 +266,7 @@
           <a:p>
             <a:fld id="{2520F6F4-E946-1746-9921-C7E20A3E8025}" type="datetimeFigureOut">
               <a:rPr lang="en-US" smtClean="0"/>
-              <a:t>3/25/20</a:t>
+              <a:t>4/10/20</a:t>
             </a:fld>
             <a:endParaRPr lang="en-US"/>
           </a:p>
@@ -466,7 +466,7 @@
           <a:p>
             <a:fld id="{2520F6F4-E946-1746-9921-C7E20A3E8025}" type="datetimeFigureOut">
               <a:rPr lang="en-US" smtClean="0"/>
-              <a:t>3/25/20</a:t>
+              <a:t>4/10/20</a:t>
             </a:fld>
             <a:endParaRPr lang="en-US"/>
           </a:p>
@@ -676,7 +676,7 @@
           <a:p>
             <a:fld id="{2520F6F4-E946-1746-9921-C7E20A3E8025}" type="datetimeFigureOut">
               <a:rPr lang="en-US" smtClean="0"/>
-              <a:t>3/25/20</a:t>
+              <a:t>4/10/20</a:t>
             </a:fld>
             <a:endParaRPr lang="en-US"/>
           </a:p>
@@ -876,7 +876,7 @@
           <a:p>
             <a:fld id="{2520F6F4-E946-1746-9921-C7E20A3E8025}" type="datetimeFigureOut">
               <a:rPr lang="en-US" smtClean="0"/>
-              <a:t>3/25/20</a:t>
+              <a:t>4/10/20</a:t>
             </a:fld>
             <a:endParaRPr lang="en-US"/>
           </a:p>
@@ -1152,7 +1152,7 @@
           <a:p>
             <a:fld id="{2520F6F4-E946-1746-9921-C7E20A3E8025}" type="datetimeFigureOut">
               <a:rPr lang="en-US" smtClean="0"/>
-              <a:t>3/25/20</a:t>
+              <a:t>4/10/20</a:t>
             </a:fld>
             <a:endParaRPr lang="en-US"/>
           </a:p>
@@ -1420,7 +1420,7 @@
           <a:p>
             <a:fld id="{2520F6F4-E946-1746-9921-C7E20A3E8025}" type="datetimeFigureOut">
               <a:rPr lang="en-US" smtClean="0"/>
-              <a:t>3/25/20</a:t>
+              <a:t>4/10/20</a:t>
             </a:fld>
             <a:endParaRPr lang="en-US"/>
           </a:p>
@@ -1835,7 +1835,7 @@
           <a:p>
             <a:fld id="{2520F6F4-E946-1746-9921-C7E20A3E8025}" type="datetimeFigureOut">
               <a:rPr lang="en-US" smtClean="0"/>
-              <a:t>3/25/20</a:t>
+              <a:t>4/10/20</a:t>
             </a:fld>
             <a:endParaRPr lang="en-US"/>
           </a:p>
@@ -1977,7 +1977,7 @@
           <a:p>
             <a:fld id="{2520F6F4-E946-1746-9921-C7E20A3E8025}" type="datetimeFigureOut">
               <a:rPr lang="en-US" smtClean="0"/>
-              <a:t>3/25/20</a:t>
+              <a:t>4/10/20</a:t>
             </a:fld>
             <a:endParaRPr lang="en-US"/>
           </a:p>
@@ -2090,7 +2090,7 @@
           <a:p>
             <a:fld id="{2520F6F4-E946-1746-9921-C7E20A3E8025}" type="datetimeFigureOut">
               <a:rPr lang="en-US" smtClean="0"/>
-              <a:t>3/25/20</a:t>
+              <a:t>4/10/20</a:t>
             </a:fld>
             <a:endParaRPr lang="en-US"/>
           </a:p>
@@ -2403,7 +2403,7 @@
           <a:p>
             <a:fld id="{2520F6F4-E946-1746-9921-C7E20A3E8025}" type="datetimeFigureOut">
               <a:rPr lang="en-US" smtClean="0"/>
-              <a:t>3/25/20</a:t>
+              <a:t>4/10/20</a:t>
             </a:fld>
             <a:endParaRPr lang="en-US"/>
           </a:p>
@@ -2692,7 +2692,7 @@
           <a:p>
             <a:fld id="{2520F6F4-E946-1746-9921-C7E20A3E8025}" type="datetimeFigureOut">
               <a:rPr lang="en-US" smtClean="0"/>
-              <a:t>3/25/20</a:t>
+              <a:t>4/10/20</a:t>
             </a:fld>
             <a:endParaRPr lang="en-US"/>
           </a:p>
@@ -2935,7 +2935,7 @@
           <a:p>
             <a:fld id="{2520F6F4-E946-1746-9921-C7E20A3E8025}" type="datetimeFigureOut">
               <a:rPr lang="en-US" smtClean="0"/>
-              <a:t>3/25/20</a:t>
+              <a:t>4/10/20</a:t>
             </a:fld>
             <a:endParaRPr lang="en-US"/>
           </a:p>
@@ -4067,6 +4067,46 @@
           </a:p>
         </p:txBody>
       </p:sp>
+      <p:sp>
+        <p:nvSpPr>
+          <p:cNvPr id="7" name="Rectangle 6">
+            <a:extLst>
+              <a:ext uri="{FF2B5EF4-FFF2-40B4-BE49-F238E27FC236}">
+                <a16:creationId xmlns:a16="http://schemas.microsoft.com/office/drawing/2014/main" id="{D8416C46-87E2-ED49-A254-9F1B3DB3B759}"/>
+              </a:ext>
+            </a:extLst>
+          </p:cNvPr>
+          <p:cNvSpPr/>
+          <p:nvPr/>
+        </p:nvSpPr>
+        <p:spPr>
+          <a:xfrm>
+            <a:off x="5732585" y="3867835"/>
+            <a:ext cx="6096000" cy="646331"/>
+          </a:xfrm>
+          <a:prstGeom prst="rect">
+            <a:avLst/>
+          </a:prstGeom>
+        </p:spPr>
+        <p:txBody>
+          <a:bodyPr>
+            <a:spAutoFit/>
+          </a:bodyPr>
+          <a:lstStyle/>
+          <a:p>
+            <a:r>
+              <a:rPr lang="en-US" dirty="0">
+                <a:hlinkClick r:id="rId2"/>
+              </a:rPr>
+              <a:t>http://educationmusicale.ac-besancon.fr/wp-content/uploads/sites/42/2015/10/Piano_Copland.pdf</a:t>
+            </a:r>
+            <a:r>
+              <a:rPr lang="en-US" dirty="0"/>
+              <a:t> </a:t>
+            </a:r>
+          </a:p>
+        </p:txBody>
+      </p:sp>
     </p:spTree>
     <p:extLst>
       <p:ext uri="{BB962C8B-B14F-4D97-AF65-F5344CB8AC3E}">
